--- a/presentations/GAB2017-JAX-Template.pptx
+++ b/presentations/GAB2017-JAX-Template.pptx
@@ -6,13 +6,14 @@
     <p:sldMasterId id="2147483705" r:id="rId5"/>
   </p:sldMasterIdLst>
   <p:notesMasterIdLst>
-    <p:notesMasterId r:id="rId10"/>
+    <p:notesMasterId r:id="rId11"/>
   </p:notesMasterIdLst>
   <p:sldIdLst>
     <p:sldId id="281" r:id="rId6"/>
-    <p:sldId id="468" r:id="rId7"/>
-    <p:sldId id="469" r:id="rId8"/>
-    <p:sldId id="465" r:id="rId9"/>
+    <p:sldId id="470" r:id="rId7"/>
+    <p:sldId id="468" r:id="rId8"/>
+    <p:sldId id="469" r:id="rId9"/>
+    <p:sldId id="465" r:id="rId10"/>
   </p:sldIdLst>
   <p:sldSz cx="12192000" cy="6858000"/>
   <p:notesSz cx="6858000" cy="9144000"/>
@@ -201,7 +202,7 @@
           <a:p>
             <a:fld id="{0DA9AA87-06AF-2A41-A50A-D39AF59F5BB1}" type="datetimeFigureOut">
               <a:rPr lang="en-US"/>
-              <a:t>4/17/2017</a:t>
+              <a:t>4/19/2017</a:t>
             </a:fld>
             <a:endParaRPr lang="en-US"/>
           </a:p>
@@ -698,6 +699,469 @@
 
 <file path=ppt/slideLayouts/slideLayout10.xml><?xml version="1.0" encoding="utf-8"?>
 <p:sldLayout xmlns:a="http://schemas.openxmlformats.org/drawingml/2006/main" xmlns:r="http://schemas.openxmlformats.org/officeDocument/2006/relationships" xmlns:p="http://schemas.openxmlformats.org/presentationml/2006/main" preserve="1">
+  <p:cSld name="Title &amp; 2-Content w/Bullets">
+    <p:spTree>
+      <p:nvGrpSpPr>
+        <p:cNvPr id="1" name=""/>
+        <p:cNvGrpSpPr/>
+        <p:nvPr/>
+      </p:nvGrpSpPr>
+      <p:grpSpPr>
+        <a:xfrm>
+          <a:off x="0" y="0"/>
+          <a:ext cx="0" cy="0"/>
+          <a:chOff x="0" y="0"/>
+          <a:chExt cx="0" cy="0"/>
+        </a:xfrm>
+      </p:grpSpPr>
+      <p:sp>
+        <p:nvSpPr>
+          <p:cNvPr id="2" name="Title 1"/>
+          <p:cNvSpPr>
+            <a:spLocks noGrp="1"/>
+          </p:cNvSpPr>
+          <p:nvPr>
+            <p:ph type="title"/>
+          </p:nvPr>
+        </p:nvSpPr>
+        <p:spPr/>
+        <p:txBody>
+          <a:bodyPr/>
+          <a:lstStyle>
+            <a:lvl1pPr>
+              <a:defRPr>
+                <a:gradFill>
+                  <a:gsLst>
+                    <a:gs pos="1250">
+                      <a:schemeClr val="tx2"/>
+                    </a:gs>
+                    <a:gs pos="100000">
+                      <a:schemeClr val="tx2"/>
+                    </a:gs>
+                  </a:gsLst>
+                  <a:lin ang="5400000" scaled="0"/>
+                </a:gradFill>
+              </a:defRPr>
+            </a:lvl1pPr>
+          </a:lstStyle>
+          <a:p>
+            <a:r>
+              <a:rPr lang="en-US"/>
+              <a:t>Click to edit Master title style</a:t>
+            </a:r>
+            <a:endParaRPr lang="en-US" dirty="0"/>
+          </a:p>
+        </p:txBody>
+      </p:sp>
+      <p:sp>
+        <p:nvSpPr>
+          <p:cNvPr id="4" name="Text Placeholder 3"/>
+          <p:cNvSpPr>
+            <a:spLocks noGrp="1"/>
+          </p:cNvSpPr>
+          <p:nvPr>
+            <p:ph type="body" sz="quarter" idx="10"/>
+          </p:nvPr>
+        </p:nvSpPr>
+        <p:spPr>
+          <a:xfrm>
+            <a:off x="520836" y="1447801"/>
+            <a:ext cx="5396365" cy="2351413"/>
+          </a:xfrm>
+        </p:spPr>
+        <p:txBody>
+          <a:bodyPr>
+            <a:spAutoFit/>
+          </a:bodyPr>
+          <a:lstStyle>
+            <a:lvl1pPr marL="292100" indent="-292100">
+              <a:spcBef>
+                <a:spcPts val="1200"/>
+              </a:spcBef>
+              <a:buClr>
+                <a:schemeClr val="bg2"/>
+              </a:buClr>
+              <a:buSzPct val="100000"/>
+              <a:buFont typeface="Wingdings" pitchFamily="2" charset="2"/>
+              <a:buChar char=""/>
+              <a:defRPr lang="en-US" sz="3600" kern="1200" spc="-70" baseline="0" dirty="0" smtClean="0">
+                <a:gradFill>
+                  <a:gsLst>
+                    <a:gs pos="1250">
+                      <a:schemeClr val="bg2"/>
+                    </a:gs>
+                    <a:gs pos="100000">
+                      <a:schemeClr val="bg2"/>
+                    </a:gs>
+                  </a:gsLst>
+                  <a:lin ang="5400000" scaled="0"/>
+                </a:gradFill>
+                <a:latin typeface="+mj-lt"/>
+                <a:ea typeface="+mn-ea"/>
+                <a:cs typeface="+mn-cs"/>
+              </a:defRPr>
+            </a:lvl1pPr>
+            <a:lvl2pPr marL="520700" indent="-228600">
+              <a:defRPr sz="2000"/>
+            </a:lvl2pPr>
+            <a:lvl3pPr marL="685800" indent="-165100">
+              <a:tabLst/>
+              <a:defRPr sz="2000"/>
+            </a:lvl3pPr>
+            <a:lvl4pPr marL="863600" indent="-177800">
+              <a:defRPr/>
+            </a:lvl4pPr>
+            <a:lvl5pPr marL="1028700" indent="-165100">
+              <a:tabLst/>
+              <a:defRPr/>
+            </a:lvl5pPr>
+          </a:lstStyle>
+          <a:p>
+            <a:pPr lvl="0"/>
+            <a:r>
+              <a:rPr lang="en-US"/>
+              <a:t>Click to edit Master text styles</a:t>
+            </a:r>
+          </a:p>
+          <a:p>
+            <a:pPr lvl="1"/>
+            <a:r>
+              <a:rPr lang="en-US"/>
+              <a:t>Second level</a:t>
+            </a:r>
+          </a:p>
+          <a:p>
+            <a:pPr lvl="2"/>
+            <a:r>
+              <a:rPr lang="en-US"/>
+              <a:t>Third level</a:t>
+            </a:r>
+          </a:p>
+          <a:p>
+            <a:pPr lvl="3"/>
+            <a:r>
+              <a:rPr lang="en-US"/>
+              <a:t>Fourth level</a:t>
+            </a:r>
+          </a:p>
+          <a:p>
+            <a:pPr lvl="4"/>
+            <a:r>
+              <a:rPr lang="en-US"/>
+              <a:t>Fifth level</a:t>
+            </a:r>
+            <a:endParaRPr lang="en-US" dirty="0"/>
+          </a:p>
+        </p:txBody>
+      </p:sp>
+      <p:sp>
+        <p:nvSpPr>
+          <p:cNvPr id="7" name="Text Placeholder 6"/>
+          <p:cNvSpPr>
+            <a:spLocks noGrp="1"/>
+          </p:cNvSpPr>
+          <p:nvPr>
+            <p:ph type="body" sz="quarter" idx="11"/>
+          </p:nvPr>
+        </p:nvSpPr>
+        <p:spPr>
+          <a:xfrm>
+            <a:off x="6279563" y="1447801"/>
+            <a:ext cx="5396365" cy="2720745"/>
+          </a:xfrm>
+        </p:spPr>
+        <p:txBody>
+          <a:bodyPr>
+            <a:spAutoFit/>
+          </a:bodyPr>
+          <a:lstStyle>
+            <a:lvl1pPr marL="339725" indent="-339725">
+              <a:spcBef>
+                <a:spcPts val="1200"/>
+              </a:spcBef>
+              <a:buClr>
+                <a:schemeClr val="bg2"/>
+              </a:buClr>
+              <a:buFont typeface="Arial" pitchFamily="34" charset="0"/>
+              <a:buChar char="•"/>
+              <a:defRPr lang="en-US" sz="3600" kern="1200" spc="-70" baseline="0" dirty="0" smtClean="0">
+                <a:gradFill>
+                  <a:gsLst>
+                    <a:gs pos="1250">
+                      <a:schemeClr val="bg2"/>
+                    </a:gs>
+                    <a:gs pos="100000">
+                      <a:schemeClr val="bg2"/>
+                    </a:gs>
+                  </a:gsLst>
+                  <a:lin ang="5400000" scaled="0"/>
+                </a:gradFill>
+                <a:latin typeface="+mj-lt"/>
+                <a:ea typeface="+mn-ea"/>
+                <a:cs typeface="+mn-cs"/>
+              </a:defRPr>
+            </a:lvl1pPr>
+            <a:lvl2pPr marL="635000" indent="-342900">
+              <a:defRPr lang="en-US" sz="2000" kern="1200" spc="0" baseline="0" dirty="0" smtClean="0">
+                <a:gradFill>
+                  <a:gsLst>
+                    <a:gs pos="1250">
+                      <a:schemeClr val="bg2"/>
+                    </a:gs>
+                    <a:gs pos="100000">
+                      <a:schemeClr val="bg2"/>
+                    </a:gs>
+                  </a:gsLst>
+                  <a:lin ang="5400000" scaled="0"/>
+                </a:gradFill>
+                <a:latin typeface="+mn-lt"/>
+                <a:ea typeface="+mn-ea"/>
+                <a:cs typeface="+mn-cs"/>
+              </a:defRPr>
+            </a:lvl2pPr>
+            <a:lvl3pPr marL="863600" indent="-342900">
+              <a:defRPr lang="en-US" sz="2000" kern="1200" spc="0" baseline="0" dirty="0" smtClean="0">
+                <a:gradFill>
+                  <a:gsLst>
+                    <a:gs pos="1250">
+                      <a:schemeClr val="bg2"/>
+                    </a:gs>
+                    <a:gs pos="100000">
+                      <a:schemeClr val="bg2"/>
+                    </a:gs>
+                  </a:gsLst>
+                  <a:lin ang="5400000" scaled="0"/>
+                </a:gradFill>
+                <a:latin typeface="+mn-lt"/>
+                <a:ea typeface="+mn-ea"/>
+                <a:cs typeface="+mn-cs"/>
+              </a:defRPr>
+            </a:lvl3pPr>
+            <a:lvl4pPr marL="1028700" indent="-342900">
+              <a:defRPr lang="en-US" sz="2000" kern="1200" spc="0" baseline="0" dirty="0" smtClean="0">
+                <a:gradFill>
+                  <a:gsLst>
+                    <a:gs pos="1250">
+                      <a:schemeClr val="bg2"/>
+                    </a:gs>
+                    <a:gs pos="100000">
+                      <a:schemeClr val="bg2"/>
+                    </a:gs>
+                  </a:gsLst>
+                  <a:lin ang="5400000" scaled="0"/>
+                </a:gradFill>
+                <a:latin typeface="+mn-lt"/>
+                <a:ea typeface="+mn-ea"/>
+                <a:cs typeface="+mn-cs"/>
+              </a:defRPr>
+            </a:lvl4pPr>
+            <a:lvl5pPr marL="1206500" indent="-342900">
+              <a:defRPr lang="en-US" sz="2000" kern="1200" spc="0" baseline="0" dirty="0">
+                <a:gradFill>
+                  <a:gsLst>
+                    <a:gs pos="1250">
+                      <a:schemeClr val="bg2"/>
+                    </a:gs>
+                    <a:gs pos="100000">
+                      <a:schemeClr val="bg2"/>
+                    </a:gs>
+                  </a:gsLst>
+                  <a:lin ang="5400000" scaled="0"/>
+                </a:gradFill>
+                <a:latin typeface="+mn-lt"/>
+                <a:ea typeface="+mn-ea"/>
+                <a:cs typeface="+mn-cs"/>
+              </a:defRPr>
+            </a:lvl5pPr>
+          </a:lstStyle>
+          <a:p>
+            <a:pPr marL="292100" marR="0" lvl="0" indent="-292100" algn="l" defTabSz="914363" rtl="0" eaLnBrk="1" fontAlgn="auto" latinLnBrk="0" hangingPunct="1">
+              <a:lnSpc>
+                <a:spcPct val="90000"/>
+              </a:lnSpc>
+              <a:spcBef>
+                <a:spcPts val="1200"/>
+              </a:spcBef>
+              <a:spcAft>
+                <a:spcPts val="0"/>
+              </a:spcAft>
+              <a:buClr>
+                <a:schemeClr val="bg2"/>
+              </a:buClr>
+              <a:buSzPct val="100000"/>
+              <a:buFont typeface="Wingdings" pitchFamily="2" charset="2"/>
+              <a:buChar char=""/>
+              <a:tabLst/>
+            </a:pPr>
+            <a:r>
+              <a:rPr lang="en-US"/>
+              <a:t>Click to edit Master text styles</a:t>
+            </a:r>
+          </a:p>
+          <a:p>
+            <a:pPr marL="292100" marR="0" lvl="1" indent="-292100" algn="l" defTabSz="914363" rtl="0" eaLnBrk="1" fontAlgn="auto" latinLnBrk="0" hangingPunct="1">
+              <a:lnSpc>
+                <a:spcPct val="90000"/>
+              </a:lnSpc>
+              <a:spcBef>
+                <a:spcPts val="1200"/>
+              </a:spcBef>
+              <a:spcAft>
+                <a:spcPts val="0"/>
+              </a:spcAft>
+              <a:buClr>
+                <a:schemeClr val="bg2"/>
+              </a:buClr>
+              <a:buSzPct val="100000"/>
+              <a:buFont typeface="Wingdings" pitchFamily="2" charset="2"/>
+              <a:buChar char=""/>
+              <a:tabLst/>
+            </a:pPr>
+            <a:r>
+              <a:rPr lang="en-US"/>
+              <a:t>Second level</a:t>
+            </a:r>
+          </a:p>
+          <a:p>
+            <a:pPr marL="292100" marR="0" lvl="2" indent="-292100" algn="l" defTabSz="914363" rtl="0" eaLnBrk="1" fontAlgn="auto" latinLnBrk="0" hangingPunct="1">
+              <a:lnSpc>
+                <a:spcPct val="90000"/>
+              </a:lnSpc>
+              <a:spcBef>
+                <a:spcPts val="1200"/>
+              </a:spcBef>
+              <a:spcAft>
+                <a:spcPts val="0"/>
+              </a:spcAft>
+              <a:buClr>
+                <a:schemeClr val="bg2"/>
+              </a:buClr>
+              <a:buSzPct val="100000"/>
+              <a:buFont typeface="Wingdings" pitchFamily="2" charset="2"/>
+              <a:buChar char=""/>
+              <a:tabLst/>
+            </a:pPr>
+            <a:r>
+              <a:rPr lang="en-US"/>
+              <a:t>Third level</a:t>
+            </a:r>
+          </a:p>
+          <a:p>
+            <a:pPr marL="292100" marR="0" lvl="3" indent="-292100" algn="l" defTabSz="914363" rtl="0" eaLnBrk="1" fontAlgn="auto" latinLnBrk="0" hangingPunct="1">
+              <a:lnSpc>
+                <a:spcPct val="90000"/>
+              </a:lnSpc>
+              <a:spcBef>
+                <a:spcPts val="1200"/>
+              </a:spcBef>
+              <a:spcAft>
+                <a:spcPts val="0"/>
+              </a:spcAft>
+              <a:buClr>
+                <a:schemeClr val="bg2"/>
+              </a:buClr>
+              <a:buSzPct val="100000"/>
+              <a:buFont typeface="Wingdings" pitchFamily="2" charset="2"/>
+              <a:buChar char=""/>
+              <a:tabLst/>
+            </a:pPr>
+            <a:r>
+              <a:rPr lang="en-US"/>
+              <a:t>Fourth level</a:t>
+            </a:r>
+          </a:p>
+          <a:p>
+            <a:pPr marL="292100" marR="0" lvl="4" indent="-292100" algn="l" defTabSz="914363" rtl="0" eaLnBrk="1" fontAlgn="auto" latinLnBrk="0" hangingPunct="1">
+              <a:lnSpc>
+                <a:spcPct val="90000"/>
+              </a:lnSpc>
+              <a:spcBef>
+                <a:spcPts val="1200"/>
+              </a:spcBef>
+              <a:spcAft>
+                <a:spcPts val="0"/>
+              </a:spcAft>
+              <a:buClr>
+                <a:schemeClr val="bg2"/>
+              </a:buClr>
+              <a:buSzPct val="100000"/>
+              <a:buFont typeface="Wingdings" pitchFamily="2" charset="2"/>
+              <a:buChar char=""/>
+              <a:tabLst/>
+            </a:pPr>
+            <a:r>
+              <a:rPr lang="en-US"/>
+              <a:t>Fifth level</a:t>
+            </a:r>
+            <a:endParaRPr lang="en-US" dirty="0"/>
+          </a:p>
+        </p:txBody>
+      </p:sp>
+      <p:sp>
+        <p:nvSpPr>
+          <p:cNvPr id="6" name="Slide Number Placeholder 9"/>
+          <p:cNvSpPr>
+            <a:spLocks noGrp="1"/>
+          </p:cNvSpPr>
+          <p:nvPr>
+            <p:ph type="sldNum" sz="quarter" idx="12"/>
+          </p:nvPr>
+        </p:nvSpPr>
+        <p:spPr>
+          <a:xfrm>
+            <a:off x="520836" y="6399557"/>
+            <a:ext cx="560832" cy="219456"/>
+          </a:xfrm>
+          <a:prstGeom prst="rect">
+            <a:avLst/>
+          </a:prstGeom>
+        </p:spPr>
+        <p:txBody>
+          <a:bodyPr lIns="121899" tIns="60949" rIns="121899" bIns="60949" anchor="ctr"/>
+          <a:lstStyle>
+            <a:lvl1pPr algn="l">
+              <a:defRPr sz="1600">
+                <a:gradFill>
+                  <a:gsLst>
+                    <a:gs pos="100000">
+                      <a:schemeClr val="bg2"/>
+                    </a:gs>
+                    <a:gs pos="0">
+                      <a:schemeClr val="bg2"/>
+                    </a:gs>
+                  </a:gsLst>
+                  <a:lin ang="5400000" scaled="0"/>
+                </a:gradFill>
+              </a:defRPr>
+            </a:lvl1pPr>
+          </a:lstStyle>
+          <a:p>
+            <a:fld id="{445C58B2-07EE-4ABE-902E-9C658CBAE3AD}" type="slidenum">
+              <a:rPr lang="en-US" smtClean="0"/>
+              <a:t>‹#›</a:t>
+            </a:fld>
+            <a:endParaRPr lang="en-US"/>
+          </a:p>
+        </p:txBody>
+      </p:sp>
+    </p:spTree>
+    <p:extLst>
+      <p:ext uri="{BB962C8B-B14F-4D97-AF65-F5344CB8AC3E}">
+        <p14:creationId xmlns:p14="http://schemas.microsoft.com/office/powerpoint/2010/main" val="3803532993"/>
+      </p:ext>
+    </p:extLst>
+  </p:cSld>
+  <p:clrMapOvr>
+    <a:masterClrMapping/>
+  </p:clrMapOvr>
+  <p:transition>
+    <p:fade/>
+  </p:transition>
+</p:sldLayout>
+</file>
+
+<file path=ppt/slideLayouts/slideLayout11.xml><?xml version="1.0" encoding="utf-8"?>
+<p:sldLayout xmlns:a="http://schemas.openxmlformats.org/drawingml/2006/main" xmlns:r="http://schemas.openxmlformats.org/officeDocument/2006/relationships" xmlns:p="http://schemas.openxmlformats.org/presentationml/2006/main" preserve="1">
   <p:cSld name="Large &amp; Small Content 2">
     <p:spTree>
       <p:nvGrpSpPr>
@@ -1001,7 +1465,7 @@
 </p:sldLayout>
 </file>
 
-<file path=ppt/slideLayouts/slideLayout11.xml><?xml version="1.0" encoding="utf-8"?>
+<file path=ppt/slideLayouts/slideLayout12.xml><?xml version="1.0" encoding="utf-8"?>
 <p:sldLayout xmlns:a="http://schemas.openxmlformats.org/drawingml/2006/main" xmlns:r="http://schemas.openxmlformats.org/officeDocument/2006/relationships" xmlns:p="http://schemas.openxmlformats.org/presentationml/2006/main" preserve="1">
   <p:cSld name="Content w/Photo on Right">
     <p:spTree>
@@ -1310,7 +1774,7 @@
 </p:sldLayout>
 </file>
 
-<file path=ppt/slideLayouts/slideLayout12.xml><?xml version="1.0" encoding="utf-8"?>
+<file path=ppt/slideLayouts/slideLayout13.xml><?xml version="1.0" encoding="utf-8"?>
 <p:sldLayout xmlns:a="http://schemas.openxmlformats.org/drawingml/2006/main" xmlns:r="http://schemas.openxmlformats.org/officeDocument/2006/relationships" xmlns:p="http://schemas.openxmlformats.org/presentationml/2006/main" preserve="1">
   <p:cSld name="Content w/Photo on Left">
     <p:spTree>
@@ -1572,7 +2036,7 @@
 </p:sldLayout>
 </file>
 
-<file path=ppt/slideLayouts/slideLayout13.xml><?xml version="1.0" encoding="utf-8"?>
+<file path=ppt/slideLayouts/slideLayout14.xml><?xml version="1.0" encoding="utf-8"?>
 <p:sldLayout xmlns:a="http://schemas.openxmlformats.org/drawingml/2006/main" xmlns:r="http://schemas.openxmlformats.org/officeDocument/2006/relationships" xmlns:p="http://schemas.openxmlformats.org/presentationml/2006/main" preserve="1">
   <p:cSld name="Color Block Header on Left &amp; Text on Right ">
     <p:spTree>
@@ -1874,7 +2338,7 @@
 </p:sldLayout>
 </file>
 
-<file path=ppt/slideLayouts/slideLayout14.xml><?xml version="1.0" encoding="utf-8"?>
+<file path=ppt/slideLayouts/slideLayout15.xml><?xml version="1.0" encoding="utf-8"?>
 <p:sldLayout xmlns:a="http://schemas.openxmlformats.org/drawingml/2006/main" xmlns:r="http://schemas.openxmlformats.org/officeDocument/2006/relationships" xmlns:p="http://schemas.openxmlformats.org/presentationml/2006/main" preserve="1">
   <p:cSld name="Color Block text w/Photo on Right">
     <p:spTree>
@@ -2209,7 +2673,7 @@
 </p:sldLayout>
 </file>
 
-<file path=ppt/slideLayouts/slideLayout15.xml><?xml version="1.0" encoding="utf-8"?>
+<file path=ppt/slideLayouts/slideLayout16.xml><?xml version="1.0" encoding="utf-8"?>
 <p:sldLayout xmlns:a="http://schemas.openxmlformats.org/drawingml/2006/main" xmlns:r="http://schemas.openxmlformats.org/officeDocument/2006/relationships" xmlns:p="http://schemas.openxmlformats.org/presentationml/2006/main" preserve="1">
   <p:cSld name="Color Block text w/Photo on Left">
     <p:spTree>
@@ -2544,7 +3008,7 @@
 </p:sldLayout>
 </file>
 
-<file path=ppt/slideLayouts/slideLayout16.xml><?xml version="1.0" encoding="utf-8"?>
+<file path=ppt/slideLayouts/slideLayout17.xml><?xml version="1.0" encoding="utf-8"?>
 <p:sldLayout xmlns:a="http://schemas.openxmlformats.org/drawingml/2006/main" xmlns:r="http://schemas.openxmlformats.org/officeDocument/2006/relationships" xmlns:p="http://schemas.openxmlformats.org/presentationml/2006/main" preserve="1">
   <p:cSld name="Color Block Quote ">
     <p:spTree>
@@ -2818,7 +3282,7 @@
 </p:sldLayout>
 </file>
 
-<file path=ppt/slideLayouts/slideLayout17.xml><?xml version="1.0" encoding="utf-8"?>
+<file path=ppt/slideLayouts/slideLayout18.xml><?xml version="1.0" encoding="utf-8"?>
 <p:sldLayout xmlns:a="http://schemas.openxmlformats.org/drawingml/2006/main" xmlns:r="http://schemas.openxmlformats.org/officeDocument/2006/relationships" xmlns:p="http://schemas.openxmlformats.org/presentationml/2006/main" type="titleOnly" preserve="1">
   <p:cSld name="Title Only">
     <p:spTree>
@@ -2937,7 +3401,7 @@
 </p:sldLayout>
 </file>
 
-<file path=ppt/slideLayouts/slideLayout18.xml><?xml version="1.0" encoding="utf-8"?>
+<file path=ppt/slideLayouts/slideLayout19.xml><?xml version="1.0" encoding="utf-8"?>
 <p:sldLayout xmlns:a="http://schemas.openxmlformats.org/drawingml/2006/main" xmlns:r="http://schemas.openxmlformats.org/officeDocument/2006/relationships" xmlns:p="http://schemas.openxmlformats.org/presentationml/2006/main" preserve="1">
   <p:cSld name="Blank">
     <p:spTree>
@@ -2958,313 +3422,6 @@
     <p:extLst>
       <p:ext uri="{BB962C8B-B14F-4D97-AF65-F5344CB8AC3E}">
         <p14:creationId xmlns:p14="http://schemas.microsoft.com/office/powerpoint/2010/main" val="2588036862"/>
-      </p:ext>
-    </p:extLst>
-  </p:cSld>
-  <p:clrMapOvr>
-    <a:masterClrMapping/>
-  </p:clrMapOvr>
-  <p:transition>
-    <p:fade/>
-  </p:transition>
-</p:sldLayout>
-</file>
-
-<file path=ppt/slideLayouts/slideLayout19.xml><?xml version="1.0" encoding="utf-8"?>
-<p:sldLayout xmlns:a="http://schemas.openxmlformats.org/drawingml/2006/main" xmlns:r="http://schemas.openxmlformats.org/officeDocument/2006/relationships" xmlns:p="http://schemas.openxmlformats.org/presentationml/2006/main" preserve="1">
-  <p:cSld name="Developer Code Layout">
-    <p:spTree>
-      <p:nvGrpSpPr>
-        <p:cNvPr id="1" name=""/>
-        <p:cNvGrpSpPr/>
-        <p:nvPr/>
-      </p:nvGrpSpPr>
-      <p:grpSpPr>
-        <a:xfrm>
-          <a:off x="0" y="0"/>
-          <a:ext cx="0" cy="0"/>
-          <a:chOff x="0" y="0"/>
-          <a:chExt cx="0" cy="0"/>
-        </a:xfrm>
-      </p:grpSpPr>
-      <p:sp>
-        <p:nvSpPr>
-          <p:cNvPr id="2" name="Title 1"/>
-          <p:cNvSpPr>
-            <a:spLocks noGrp="1"/>
-          </p:cNvSpPr>
-          <p:nvPr>
-            <p:ph type="title" hasCustomPrompt="1"/>
-          </p:nvPr>
-        </p:nvSpPr>
-        <p:spPr/>
-        <p:txBody>
-          <a:bodyPr/>
-          <a:lstStyle>
-            <a:lvl1pPr>
-              <a:defRPr>
-                <a:gradFill>
-                  <a:gsLst>
-                    <a:gs pos="1250">
-                      <a:schemeClr val="tx2"/>
-                    </a:gs>
-                    <a:gs pos="100000">
-                      <a:schemeClr val="tx2"/>
-                    </a:gs>
-                  </a:gsLst>
-                  <a:lin ang="5400000" scaled="0"/>
-                </a:gradFill>
-              </a:defRPr>
-            </a:lvl1pPr>
-          </a:lstStyle>
-          <a:p>
-            <a:r>
-              <a:rPr lang="en-US" dirty="0"/>
-              <a:t>Slide for Developer Code</a:t>
-            </a:r>
-          </a:p>
-        </p:txBody>
-      </p:sp>
-      <p:sp>
-        <p:nvSpPr>
-          <p:cNvPr id="3" name="Rectangle 2"/>
-          <p:cNvSpPr/>
-          <p:nvPr/>
-        </p:nvSpPr>
-        <p:spPr bwMode="hidden">
-          <a:xfrm>
-            <a:off x="1" y="1155940"/>
-            <a:ext cx="12192000" cy="5702060"/>
-          </a:xfrm>
-          <a:prstGeom prst="rect">
-            <a:avLst/>
-          </a:prstGeom>
-          <a:solidFill>
-            <a:srgbClr val="FFFFFF"/>
-          </a:solidFill>
-          <a:ln>
-            <a:noFill/>
-            <a:headEnd type="none" w="med" len="med"/>
-            <a:tailEnd type="none" w="med" len="med"/>
-          </a:ln>
-          <a:effectLst/>
-        </p:spPr>
-        <p:style>
-          <a:lnRef idx="1">
-            <a:schemeClr val="accent2"/>
-          </a:lnRef>
-          <a:fillRef idx="3">
-            <a:schemeClr val="accent2"/>
-          </a:fillRef>
-          <a:effectRef idx="2">
-            <a:schemeClr val="accent2"/>
-          </a:effectRef>
-          <a:fontRef idx="minor">
-            <a:schemeClr val="lt1"/>
-          </a:fontRef>
-        </p:style>
-        <p:txBody>
-          <a:bodyPr rot="0" spcFirstLastPara="0" vertOverflow="overflow" horzOverflow="overflow" vert="horz" wrap="square" lIns="45720" tIns="45720" rIns="45720" bIns="45720" numCol="1" spcCol="0" rtlCol="0" fromWordArt="0" anchor="ctr" anchorCtr="0" forceAA="0" compatLnSpc="1">
-            <a:prstTxWarp prst="textNoShape">
-              <a:avLst/>
-            </a:prstTxWarp>
-            <a:noAutofit/>
-          </a:bodyPr>
-          <a:lstStyle/>
-          <a:p>
-            <a:pPr algn="ctr" defTabSz="914099" fontAlgn="base">
-              <a:spcBef>
-                <a:spcPct val="0"/>
-              </a:spcBef>
-              <a:spcAft>
-                <a:spcPct val="0"/>
-              </a:spcAft>
-            </a:pPr>
-            <a:endParaRPr lang="en-US" sz="1800" dirty="0" err="1">
-              <a:gradFill>
-                <a:gsLst>
-                  <a:gs pos="0">
-                    <a:srgbClr val="FFFFFF"/>
-                  </a:gs>
-                  <a:gs pos="100000">
-                    <a:srgbClr val="FFFFFF"/>
-                  </a:gs>
-                </a:gsLst>
-                <a:lin ang="5400000" scaled="0"/>
-              </a:gradFill>
-              <a:ea typeface="Segoe UI" pitchFamily="34" charset="0"/>
-              <a:cs typeface="Segoe UI" pitchFamily="34" charset="0"/>
-            </a:endParaRPr>
-          </a:p>
-        </p:txBody>
-      </p:sp>
-      <p:sp>
-        <p:nvSpPr>
-          <p:cNvPr id="5" name="Text Placeholder 4"/>
-          <p:cNvSpPr>
-            <a:spLocks noGrp="1"/>
-          </p:cNvSpPr>
-          <p:nvPr>
-            <p:ph type="body" sz="quarter" idx="10"/>
-          </p:nvPr>
-        </p:nvSpPr>
-        <p:spPr>
-          <a:xfrm>
-            <a:off x="518453" y="1447801"/>
-            <a:ext cx="11155093" cy="1988237"/>
-          </a:xfrm>
-        </p:spPr>
-        <p:txBody>
-          <a:bodyPr/>
-          <a:lstStyle>
-            <a:lvl1pPr marL="0" indent="0">
-              <a:lnSpc>
-                <a:spcPct val="95000"/>
-              </a:lnSpc>
-              <a:buNone/>
-              <a:defRPr sz="3200">
-                <a:gradFill>
-                  <a:gsLst>
-                    <a:gs pos="1250">
-                      <a:srgbClr val="000000"/>
-                    </a:gs>
-                    <a:gs pos="100000">
-                      <a:srgbClr val="000000"/>
-                    </a:gs>
-                  </a:gsLst>
-                  <a:lin ang="5400000" scaled="0"/>
-                </a:gradFill>
-                <a:latin typeface="Consolas" pitchFamily="49" charset="0"/>
-                <a:cs typeface="Consolas" pitchFamily="49" charset="0"/>
-              </a:defRPr>
-            </a:lvl1pPr>
-            <a:lvl2pPr marL="339725" indent="0">
-              <a:lnSpc>
-                <a:spcPct val="95000"/>
-              </a:lnSpc>
-              <a:buNone/>
-              <a:defRPr>
-                <a:gradFill>
-                  <a:gsLst>
-                    <a:gs pos="1250">
-                      <a:srgbClr val="000000"/>
-                    </a:gs>
-                    <a:gs pos="100000">
-                      <a:srgbClr val="000000"/>
-                    </a:gs>
-                  </a:gsLst>
-                  <a:lin ang="5400000" scaled="0"/>
-                </a:gradFill>
-                <a:latin typeface="Consolas" pitchFamily="49" charset="0"/>
-                <a:cs typeface="Consolas" pitchFamily="49" charset="0"/>
-              </a:defRPr>
-            </a:lvl2pPr>
-            <a:lvl3pPr marL="573088" indent="0">
-              <a:lnSpc>
-                <a:spcPct val="95000"/>
-              </a:lnSpc>
-              <a:buNone/>
-              <a:defRPr>
-                <a:gradFill>
-                  <a:gsLst>
-                    <a:gs pos="1250">
-                      <a:srgbClr val="000000"/>
-                    </a:gs>
-                    <a:gs pos="100000">
-                      <a:srgbClr val="000000"/>
-                    </a:gs>
-                  </a:gsLst>
-                  <a:lin ang="5400000" scaled="0"/>
-                </a:gradFill>
-                <a:latin typeface="Consolas" pitchFamily="49" charset="0"/>
-                <a:cs typeface="Consolas" pitchFamily="49" charset="0"/>
-              </a:defRPr>
-            </a:lvl3pPr>
-            <a:lvl4pPr marL="798513" indent="0">
-              <a:lnSpc>
-                <a:spcPct val="95000"/>
-              </a:lnSpc>
-              <a:buNone/>
-              <a:defRPr>
-                <a:gradFill>
-                  <a:gsLst>
-                    <a:gs pos="1250">
-                      <a:srgbClr val="000000"/>
-                    </a:gs>
-                    <a:gs pos="100000">
-                      <a:srgbClr val="000000"/>
-                    </a:gs>
-                  </a:gsLst>
-                  <a:lin ang="5400000" scaled="0"/>
-                </a:gradFill>
-                <a:latin typeface="Consolas" pitchFamily="49" charset="0"/>
-                <a:cs typeface="Consolas" pitchFamily="49" charset="0"/>
-              </a:defRPr>
-            </a:lvl4pPr>
-            <a:lvl5pPr marL="1030288" indent="0">
-              <a:lnSpc>
-                <a:spcPct val="95000"/>
-              </a:lnSpc>
-              <a:buNone/>
-              <a:defRPr>
-                <a:gradFill>
-                  <a:gsLst>
-                    <a:gs pos="1250">
-                      <a:srgbClr val="000000"/>
-                    </a:gs>
-                    <a:gs pos="100000">
-                      <a:srgbClr val="000000"/>
-                    </a:gs>
-                  </a:gsLst>
-                  <a:lin ang="5400000" scaled="0"/>
-                </a:gradFill>
-                <a:latin typeface="Consolas" pitchFamily="49" charset="0"/>
-                <a:cs typeface="Consolas" pitchFamily="49" charset="0"/>
-              </a:defRPr>
-            </a:lvl5pPr>
-          </a:lstStyle>
-          <a:p>
-            <a:pPr lvl="0"/>
-            <a:r>
-              <a:rPr lang="en-US"/>
-              <a:t>Click to edit Master text styles</a:t>
-            </a:r>
-          </a:p>
-          <a:p>
-            <a:pPr lvl="1"/>
-            <a:r>
-              <a:rPr lang="en-US"/>
-              <a:t>Second level</a:t>
-            </a:r>
-          </a:p>
-          <a:p>
-            <a:pPr lvl="2"/>
-            <a:r>
-              <a:rPr lang="en-US"/>
-              <a:t>Third level</a:t>
-            </a:r>
-          </a:p>
-          <a:p>
-            <a:pPr lvl="3"/>
-            <a:r>
-              <a:rPr lang="en-US"/>
-              <a:t>Fourth level</a:t>
-            </a:r>
-          </a:p>
-          <a:p>
-            <a:pPr lvl="4"/>
-            <a:r>
-              <a:rPr lang="en-US"/>
-              <a:t>Fifth level</a:t>
-            </a:r>
-            <a:endParaRPr lang="en-US" dirty="0"/>
-          </a:p>
-        </p:txBody>
-      </p:sp>
-    </p:spTree>
-    <p:extLst>
-      <p:ext uri="{BB962C8B-B14F-4D97-AF65-F5344CB8AC3E}">
-        <p14:creationId xmlns:p14="http://schemas.microsoft.com/office/powerpoint/2010/main" val="3126921060"/>
       </p:ext>
     </p:extLst>
   </p:cSld>
@@ -3363,6 +3520,313 @@
 
 <file path=ppt/slideLayouts/slideLayout20.xml><?xml version="1.0" encoding="utf-8"?>
 <p:sldLayout xmlns:a="http://schemas.openxmlformats.org/drawingml/2006/main" xmlns:r="http://schemas.openxmlformats.org/officeDocument/2006/relationships" xmlns:p="http://schemas.openxmlformats.org/presentationml/2006/main" preserve="1">
+  <p:cSld name="Developer Code Layout">
+    <p:spTree>
+      <p:nvGrpSpPr>
+        <p:cNvPr id="1" name=""/>
+        <p:cNvGrpSpPr/>
+        <p:nvPr/>
+      </p:nvGrpSpPr>
+      <p:grpSpPr>
+        <a:xfrm>
+          <a:off x="0" y="0"/>
+          <a:ext cx="0" cy="0"/>
+          <a:chOff x="0" y="0"/>
+          <a:chExt cx="0" cy="0"/>
+        </a:xfrm>
+      </p:grpSpPr>
+      <p:sp>
+        <p:nvSpPr>
+          <p:cNvPr id="2" name="Title 1"/>
+          <p:cNvSpPr>
+            <a:spLocks noGrp="1"/>
+          </p:cNvSpPr>
+          <p:nvPr>
+            <p:ph type="title" hasCustomPrompt="1"/>
+          </p:nvPr>
+        </p:nvSpPr>
+        <p:spPr/>
+        <p:txBody>
+          <a:bodyPr/>
+          <a:lstStyle>
+            <a:lvl1pPr>
+              <a:defRPr>
+                <a:gradFill>
+                  <a:gsLst>
+                    <a:gs pos="1250">
+                      <a:schemeClr val="tx2"/>
+                    </a:gs>
+                    <a:gs pos="100000">
+                      <a:schemeClr val="tx2"/>
+                    </a:gs>
+                  </a:gsLst>
+                  <a:lin ang="5400000" scaled="0"/>
+                </a:gradFill>
+              </a:defRPr>
+            </a:lvl1pPr>
+          </a:lstStyle>
+          <a:p>
+            <a:r>
+              <a:rPr lang="en-US" dirty="0"/>
+              <a:t>Slide for Developer Code</a:t>
+            </a:r>
+          </a:p>
+        </p:txBody>
+      </p:sp>
+      <p:sp>
+        <p:nvSpPr>
+          <p:cNvPr id="3" name="Rectangle 2"/>
+          <p:cNvSpPr/>
+          <p:nvPr/>
+        </p:nvSpPr>
+        <p:spPr bwMode="hidden">
+          <a:xfrm>
+            <a:off x="1" y="1155940"/>
+            <a:ext cx="12192000" cy="5702060"/>
+          </a:xfrm>
+          <a:prstGeom prst="rect">
+            <a:avLst/>
+          </a:prstGeom>
+          <a:solidFill>
+            <a:srgbClr val="FFFFFF"/>
+          </a:solidFill>
+          <a:ln>
+            <a:noFill/>
+            <a:headEnd type="none" w="med" len="med"/>
+            <a:tailEnd type="none" w="med" len="med"/>
+          </a:ln>
+          <a:effectLst/>
+        </p:spPr>
+        <p:style>
+          <a:lnRef idx="1">
+            <a:schemeClr val="accent2"/>
+          </a:lnRef>
+          <a:fillRef idx="3">
+            <a:schemeClr val="accent2"/>
+          </a:fillRef>
+          <a:effectRef idx="2">
+            <a:schemeClr val="accent2"/>
+          </a:effectRef>
+          <a:fontRef idx="minor">
+            <a:schemeClr val="lt1"/>
+          </a:fontRef>
+        </p:style>
+        <p:txBody>
+          <a:bodyPr rot="0" spcFirstLastPara="0" vertOverflow="overflow" horzOverflow="overflow" vert="horz" wrap="square" lIns="45720" tIns="45720" rIns="45720" bIns="45720" numCol="1" spcCol="0" rtlCol="0" fromWordArt="0" anchor="ctr" anchorCtr="0" forceAA="0" compatLnSpc="1">
+            <a:prstTxWarp prst="textNoShape">
+              <a:avLst/>
+            </a:prstTxWarp>
+            <a:noAutofit/>
+          </a:bodyPr>
+          <a:lstStyle/>
+          <a:p>
+            <a:pPr algn="ctr" defTabSz="914099" fontAlgn="base">
+              <a:spcBef>
+                <a:spcPct val="0"/>
+              </a:spcBef>
+              <a:spcAft>
+                <a:spcPct val="0"/>
+              </a:spcAft>
+            </a:pPr>
+            <a:endParaRPr lang="en-US" sz="1800" dirty="0" err="1">
+              <a:gradFill>
+                <a:gsLst>
+                  <a:gs pos="0">
+                    <a:srgbClr val="FFFFFF"/>
+                  </a:gs>
+                  <a:gs pos="100000">
+                    <a:srgbClr val="FFFFFF"/>
+                  </a:gs>
+                </a:gsLst>
+                <a:lin ang="5400000" scaled="0"/>
+              </a:gradFill>
+              <a:ea typeface="Segoe UI" pitchFamily="34" charset="0"/>
+              <a:cs typeface="Segoe UI" pitchFamily="34" charset="0"/>
+            </a:endParaRPr>
+          </a:p>
+        </p:txBody>
+      </p:sp>
+      <p:sp>
+        <p:nvSpPr>
+          <p:cNvPr id="5" name="Text Placeholder 4"/>
+          <p:cNvSpPr>
+            <a:spLocks noGrp="1"/>
+          </p:cNvSpPr>
+          <p:nvPr>
+            <p:ph type="body" sz="quarter" idx="10"/>
+          </p:nvPr>
+        </p:nvSpPr>
+        <p:spPr>
+          <a:xfrm>
+            <a:off x="518453" y="1447801"/>
+            <a:ext cx="11155093" cy="1988237"/>
+          </a:xfrm>
+        </p:spPr>
+        <p:txBody>
+          <a:bodyPr/>
+          <a:lstStyle>
+            <a:lvl1pPr marL="0" indent="0">
+              <a:lnSpc>
+                <a:spcPct val="95000"/>
+              </a:lnSpc>
+              <a:buNone/>
+              <a:defRPr sz="3200">
+                <a:gradFill>
+                  <a:gsLst>
+                    <a:gs pos="1250">
+                      <a:srgbClr val="000000"/>
+                    </a:gs>
+                    <a:gs pos="100000">
+                      <a:srgbClr val="000000"/>
+                    </a:gs>
+                  </a:gsLst>
+                  <a:lin ang="5400000" scaled="0"/>
+                </a:gradFill>
+                <a:latin typeface="Consolas" pitchFamily="49" charset="0"/>
+                <a:cs typeface="Consolas" pitchFamily="49" charset="0"/>
+              </a:defRPr>
+            </a:lvl1pPr>
+            <a:lvl2pPr marL="339725" indent="0">
+              <a:lnSpc>
+                <a:spcPct val="95000"/>
+              </a:lnSpc>
+              <a:buNone/>
+              <a:defRPr>
+                <a:gradFill>
+                  <a:gsLst>
+                    <a:gs pos="1250">
+                      <a:srgbClr val="000000"/>
+                    </a:gs>
+                    <a:gs pos="100000">
+                      <a:srgbClr val="000000"/>
+                    </a:gs>
+                  </a:gsLst>
+                  <a:lin ang="5400000" scaled="0"/>
+                </a:gradFill>
+                <a:latin typeface="Consolas" pitchFamily="49" charset="0"/>
+                <a:cs typeface="Consolas" pitchFamily="49" charset="0"/>
+              </a:defRPr>
+            </a:lvl2pPr>
+            <a:lvl3pPr marL="573088" indent="0">
+              <a:lnSpc>
+                <a:spcPct val="95000"/>
+              </a:lnSpc>
+              <a:buNone/>
+              <a:defRPr>
+                <a:gradFill>
+                  <a:gsLst>
+                    <a:gs pos="1250">
+                      <a:srgbClr val="000000"/>
+                    </a:gs>
+                    <a:gs pos="100000">
+                      <a:srgbClr val="000000"/>
+                    </a:gs>
+                  </a:gsLst>
+                  <a:lin ang="5400000" scaled="0"/>
+                </a:gradFill>
+                <a:latin typeface="Consolas" pitchFamily="49" charset="0"/>
+                <a:cs typeface="Consolas" pitchFamily="49" charset="0"/>
+              </a:defRPr>
+            </a:lvl3pPr>
+            <a:lvl4pPr marL="798513" indent="0">
+              <a:lnSpc>
+                <a:spcPct val="95000"/>
+              </a:lnSpc>
+              <a:buNone/>
+              <a:defRPr>
+                <a:gradFill>
+                  <a:gsLst>
+                    <a:gs pos="1250">
+                      <a:srgbClr val="000000"/>
+                    </a:gs>
+                    <a:gs pos="100000">
+                      <a:srgbClr val="000000"/>
+                    </a:gs>
+                  </a:gsLst>
+                  <a:lin ang="5400000" scaled="0"/>
+                </a:gradFill>
+                <a:latin typeface="Consolas" pitchFamily="49" charset="0"/>
+                <a:cs typeface="Consolas" pitchFamily="49" charset="0"/>
+              </a:defRPr>
+            </a:lvl4pPr>
+            <a:lvl5pPr marL="1030288" indent="0">
+              <a:lnSpc>
+                <a:spcPct val="95000"/>
+              </a:lnSpc>
+              <a:buNone/>
+              <a:defRPr>
+                <a:gradFill>
+                  <a:gsLst>
+                    <a:gs pos="1250">
+                      <a:srgbClr val="000000"/>
+                    </a:gs>
+                    <a:gs pos="100000">
+                      <a:srgbClr val="000000"/>
+                    </a:gs>
+                  </a:gsLst>
+                  <a:lin ang="5400000" scaled="0"/>
+                </a:gradFill>
+                <a:latin typeface="Consolas" pitchFamily="49" charset="0"/>
+                <a:cs typeface="Consolas" pitchFamily="49" charset="0"/>
+              </a:defRPr>
+            </a:lvl5pPr>
+          </a:lstStyle>
+          <a:p>
+            <a:pPr lvl="0"/>
+            <a:r>
+              <a:rPr lang="en-US"/>
+              <a:t>Click to edit Master text styles</a:t>
+            </a:r>
+          </a:p>
+          <a:p>
+            <a:pPr lvl="1"/>
+            <a:r>
+              <a:rPr lang="en-US"/>
+              <a:t>Second level</a:t>
+            </a:r>
+          </a:p>
+          <a:p>
+            <a:pPr lvl="2"/>
+            <a:r>
+              <a:rPr lang="en-US"/>
+              <a:t>Third level</a:t>
+            </a:r>
+          </a:p>
+          <a:p>
+            <a:pPr lvl="3"/>
+            <a:r>
+              <a:rPr lang="en-US"/>
+              <a:t>Fourth level</a:t>
+            </a:r>
+          </a:p>
+          <a:p>
+            <a:pPr lvl="4"/>
+            <a:r>
+              <a:rPr lang="en-US"/>
+              <a:t>Fifth level</a:t>
+            </a:r>
+            <a:endParaRPr lang="en-US" dirty="0"/>
+          </a:p>
+        </p:txBody>
+      </p:sp>
+    </p:spTree>
+    <p:extLst>
+      <p:ext uri="{BB962C8B-B14F-4D97-AF65-F5344CB8AC3E}">
+        <p14:creationId xmlns:p14="http://schemas.microsoft.com/office/powerpoint/2010/main" val="3126921060"/>
+      </p:ext>
+    </p:extLst>
+  </p:cSld>
+  <p:clrMapOvr>
+    <a:masterClrMapping/>
+  </p:clrMapOvr>
+  <p:transition>
+    <p:fade/>
+  </p:transition>
+</p:sldLayout>
+</file>
+
+<file path=ppt/slideLayouts/slideLayout21.xml><?xml version="1.0" encoding="utf-8"?>
+<p:sldLayout xmlns:a="http://schemas.openxmlformats.org/drawingml/2006/main" xmlns:r="http://schemas.openxmlformats.org/officeDocument/2006/relationships" xmlns:p="http://schemas.openxmlformats.org/presentationml/2006/main" preserve="1">
   <p:cSld name="Black Notes slide Layout">
     <p:bg bwMode="black">
       <p:bgPr>
@@ -3687,7 +4151,7 @@
 </p:sldLayout>
 </file>
 
-<file path=ppt/slideLayouts/slideLayout21.xml><?xml version="1.0" encoding="utf-8"?>
+<file path=ppt/slideLayouts/slideLayout22.xml><?xml version="1.0" encoding="utf-8"?>
 <p:sldLayout xmlns:a="http://schemas.openxmlformats.org/drawingml/2006/main" xmlns:r="http://schemas.openxmlformats.org/officeDocument/2006/relationships" xmlns:p="http://schemas.openxmlformats.org/presentationml/2006/main">
   <p:cSld name="1_Title and Content">
     <p:spTree>
@@ -3766,7 +4230,7 @@
           <a:p>
             <a:fld id="{A14645B6-AF66-41FE-86DD-D4FB3D523373}" type="datetimeFigureOut">
               <a:rPr lang="en-US" smtClean="0"/>
-              <a:t>4/17/2017</a:t>
+              <a:t>4/19/2017</a:t>
             </a:fld>
             <a:endParaRPr lang="en-US"/>
           </a:p>
@@ -3843,7 +4307,7 @@
 </p:sldLayout>
 </file>
 
-<file path=ppt/slideLayouts/slideLayout22.xml><?xml version="1.0" encoding="utf-8"?>
+<file path=ppt/slideLayouts/slideLayout23.xml><?xml version="1.0" encoding="utf-8"?>
 <p:sldLayout xmlns:a="http://schemas.openxmlformats.org/drawingml/2006/main" xmlns:r="http://schemas.openxmlformats.org/officeDocument/2006/relationships" xmlns:p="http://schemas.openxmlformats.org/presentationml/2006/main" userDrawn="1">
   <p:cSld name="Blank Accent Color 3">
     <p:bg>
@@ -3884,7 +4348,7 @@
 </p:sldLayout>
 </file>
 
-<file path=ppt/slideLayouts/slideLayout23.xml><?xml version="1.0" encoding="utf-8"?>
+<file path=ppt/slideLayouts/slideLayout24.xml><?xml version="1.0" encoding="utf-8"?>
 <p:sldLayout xmlns:a="http://schemas.openxmlformats.org/drawingml/2006/main" xmlns:r="http://schemas.openxmlformats.org/officeDocument/2006/relationships" xmlns:p="http://schemas.openxmlformats.org/presentationml/2006/main" preserve="1" userDrawn="1">
   <p:cSld name="start screen">
     <p:bg>
@@ -3994,7 +4458,7 @@
 </p:sldLayout>
 </file>
 
-<file path=ppt/slideLayouts/slideLayout24.xml><?xml version="1.0" encoding="utf-8"?>
+<file path=ppt/slideLayouts/slideLayout25.xml><?xml version="1.0" encoding="utf-8"?>
 <p:sldLayout xmlns:a="http://schemas.openxmlformats.org/drawingml/2006/main" xmlns:r="http://schemas.openxmlformats.org/officeDocument/2006/relationships" xmlns:p="http://schemas.openxmlformats.org/presentationml/2006/main" preserve="1" userDrawn="1">
   <p:cSld name="Bangalore title">
     <p:bg>
@@ -4200,7 +4664,7 @@
 </p:sldLayout>
 </file>
 
-<file path=ppt/slideLayouts/slideLayout25.xml><?xml version="1.0" encoding="utf-8"?>
+<file path=ppt/slideLayouts/slideLayout26.xml><?xml version="1.0" encoding="utf-8"?>
 <p:sldLayout xmlns:a="http://schemas.openxmlformats.org/drawingml/2006/main" xmlns:r="http://schemas.openxmlformats.org/officeDocument/2006/relationships" xmlns:p="http://schemas.openxmlformats.org/presentationml/2006/main" preserve="1" userDrawn="1">
   <p:cSld name="1_Title Slide 2_Option 1 - Preferred">
     <p:bg>
@@ -4346,7 +4810,7 @@
 </p:sldLayout>
 </file>
 
-<file path=ppt/slideLayouts/slideLayout26.xml><?xml version="1.0" encoding="utf-8"?>
+<file path=ppt/slideLayouts/slideLayout27.xml><?xml version="1.0" encoding="utf-8"?>
 <p:sldLayout xmlns:a="http://schemas.openxmlformats.org/drawingml/2006/main" xmlns:r="http://schemas.openxmlformats.org/officeDocument/2006/relationships" xmlns:p="http://schemas.openxmlformats.org/presentationml/2006/main" preserve="1" userDrawn="1">
   <p:cSld name="2_Title Slide 2_Option 1 - Preferred">
     <p:bg>
@@ -4492,7 +4956,7 @@
 </p:sldLayout>
 </file>
 
-<file path=ppt/slideLayouts/slideLayout27.xml><?xml version="1.0" encoding="utf-8"?>
+<file path=ppt/slideLayouts/slideLayout28.xml><?xml version="1.0" encoding="utf-8"?>
 <p:sldLayout xmlns:a="http://schemas.openxmlformats.org/drawingml/2006/main" xmlns:r="http://schemas.openxmlformats.org/officeDocument/2006/relationships" xmlns:p="http://schemas.openxmlformats.org/presentationml/2006/main" preserve="1" userDrawn="1">
   <p:cSld name="Title Slide 2_Option 3 - Org ID tile">
     <p:bg>
@@ -4638,7 +5102,7 @@
 </p:sldLayout>
 </file>
 
-<file path=ppt/slideLayouts/slideLayout28.xml><?xml version="1.0" encoding="utf-8"?>
+<file path=ppt/slideLayouts/slideLayout29.xml><?xml version="1.0" encoding="utf-8"?>
 <p:sldLayout xmlns:a="http://schemas.openxmlformats.org/drawingml/2006/main" xmlns:r="http://schemas.openxmlformats.org/officeDocument/2006/relationships" xmlns:p="http://schemas.openxmlformats.org/presentationml/2006/main" preserve="1" userDrawn="1">
   <p:cSld name="Title &amp; Non-bulleted text">
     <p:bg>
@@ -4792,7 +5256,499 @@
 </p:sldLayout>
 </file>
 
-<file path=ppt/slideLayouts/slideLayout29.xml><?xml version="1.0" encoding="utf-8"?>
+<file path=ppt/slideLayouts/slideLayout3.xml><?xml version="1.0" encoding="utf-8"?>
+<p:sldLayout xmlns:a="http://schemas.openxmlformats.org/drawingml/2006/main" xmlns:r="http://schemas.openxmlformats.org/officeDocument/2006/relationships" xmlns:p="http://schemas.openxmlformats.org/presentationml/2006/main" preserve="1" userDrawn="1">
+  <p:cSld name="Custom Layout">
+    <p:spTree>
+      <p:nvGrpSpPr>
+        <p:cNvPr id="1" name=""/>
+        <p:cNvGrpSpPr/>
+        <p:nvPr/>
+      </p:nvGrpSpPr>
+      <p:grpSpPr>
+        <a:xfrm>
+          <a:off x="0" y="0"/>
+          <a:ext cx="0" cy="0"/>
+          <a:chOff x="0" y="0"/>
+          <a:chExt cx="0" cy="0"/>
+        </a:xfrm>
+      </p:grpSpPr>
+      <p:sp>
+        <p:nvSpPr>
+          <p:cNvPr id="3" name="Title 1"/>
+          <p:cNvSpPr txBox="1">
+            <a:spLocks/>
+          </p:cNvSpPr>
+          <p:nvPr userDrawn="1"/>
+        </p:nvSpPr>
+        <p:spPr>
+          <a:xfrm>
+            <a:off x="752078" y="495776"/>
+            <a:ext cx="10477200" cy="3298983"/>
+          </a:xfrm>
+          <a:prstGeom prst="rect">
+            <a:avLst/>
+          </a:prstGeom>
+        </p:spPr>
+        <p:txBody>
+          <a:bodyPr anchor="b" anchorCtr="0"/>
+          <a:lstStyle>
+            <a:lvl1pPr algn="l" defTabSz="914363" rtl="0" eaLnBrk="1" latinLnBrk="0" hangingPunct="1">
+              <a:lnSpc>
+                <a:spcPct val="90000"/>
+              </a:lnSpc>
+              <a:spcBef>
+                <a:spcPct val="0"/>
+              </a:spcBef>
+              <a:buNone/>
+              <a:defRPr lang="en-US" sz="7200" b="0" kern="1200" cap="none" spc="-150" baseline="0">
+                <a:ln w="3175">
+                  <a:noFill/>
+                </a:ln>
+                <a:gradFill>
+                  <a:gsLst>
+                    <a:gs pos="1250">
+                      <a:schemeClr val="tx1"/>
+                    </a:gs>
+                    <a:gs pos="100000">
+                      <a:schemeClr val="tx1"/>
+                    </a:gs>
+                  </a:gsLst>
+                  <a:lin ang="5400000" scaled="0"/>
+                </a:gradFill>
+                <a:effectLst/>
+                <a:latin typeface="+mj-lt"/>
+                <a:ea typeface="+mn-ea"/>
+                <a:cs typeface="Arial" charset="0"/>
+              </a:defRPr>
+            </a:lvl1pPr>
+          </a:lstStyle>
+          <a:p>
+            <a:pPr lvl="0">
+              <a:defRPr/>
+            </a:pPr>
+            <a:r>
+              <a:rPr lang="en-US" spc="0" dirty="0">
+                <a:solidFill>
+                  <a:srgbClr val="4682B1"/>
+                </a:solidFill>
+              </a:rPr>
+              <a:t>Session Title</a:t>
+            </a:r>
+          </a:p>
+        </p:txBody>
+      </p:sp>
+      <p:sp>
+        <p:nvSpPr>
+          <p:cNvPr id="4" name="Text Placeholder 2"/>
+          <p:cNvSpPr txBox="1">
+            <a:spLocks/>
+          </p:cNvSpPr>
+          <p:nvPr userDrawn="1"/>
+        </p:nvSpPr>
+        <p:spPr>
+          <a:xfrm>
+            <a:off x="959644" y="4646141"/>
+            <a:ext cx="9822656" cy="2127205"/>
+          </a:xfrm>
+          <a:prstGeom prst="rect">
+            <a:avLst/>
+          </a:prstGeom>
+        </p:spPr>
+        <p:txBody>
+          <a:bodyPr>
+            <a:noAutofit/>
+          </a:bodyPr>
+          <a:lstStyle>
+            <a:lvl1pPr marL="0" marR="0" indent="0" algn="l" defTabSz="914363" rtl="0" eaLnBrk="1" fontAlgn="auto" latinLnBrk="0" hangingPunct="1">
+              <a:lnSpc>
+                <a:spcPct val="90000"/>
+              </a:lnSpc>
+              <a:spcBef>
+                <a:spcPts val="0"/>
+              </a:spcBef>
+              <a:spcAft>
+                <a:spcPts val="0"/>
+              </a:spcAft>
+              <a:buClrTx/>
+              <a:buSzPct val="90000"/>
+              <a:buFont typeface="Arial" pitchFamily="34" charset="0"/>
+              <a:buNone/>
+              <a:tabLst/>
+              <a:defRPr sz="3600" kern="1200" spc="-70" baseline="0">
+                <a:gradFill>
+                  <a:gsLst>
+                    <a:gs pos="0">
+                      <a:schemeClr val="tx1"/>
+                    </a:gs>
+                    <a:gs pos="100000">
+                      <a:schemeClr val="tx1"/>
+                    </a:gs>
+                  </a:gsLst>
+                  <a:lin ang="5400000" scaled="0"/>
+                </a:gradFill>
+                <a:latin typeface="+mj-lt"/>
+                <a:ea typeface="+mn-ea"/>
+                <a:cs typeface="+mn-cs"/>
+              </a:defRPr>
+            </a:lvl1pPr>
+            <a:lvl2pPr marL="573088" marR="0" indent="-233363" algn="l" defTabSz="914363" rtl="0" eaLnBrk="1" fontAlgn="auto" latinLnBrk="0" hangingPunct="1">
+              <a:lnSpc>
+                <a:spcPct val="90000"/>
+              </a:lnSpc>
+              <a:spcBef>
+                <a:spcPct val="20000"/>
+              </a:spcBef>
+              <a:spcAft>
+                <a:spcPts val="0"/>
+              </a:spcAft>
+              <a:buClrTx/>
+              <a:buSzPct val="90000"/>
+              <a:buFont typeface="Wingdings" pitchFamily="2" charset="2"/>
+              <a:buChar char=""/>
+              <a:tabLst/>
+              <a:defRPr sz="2400" kern="1200" spc="0" baseline="0">
+                <a:gradFill>
+                  <a:gsLst>
+                    <a:gs pos="1250">
+                      <a:schemeClr val="tx1"/>
+                    </a:gs>
+                    <a:gs pos="100000">
+                      <a:schemeClr val="tx1"/>
+                    </a:gs>
+                  </a:gsLst>
+                  <a:lin ang="5400000" scaled="0"/>
+                </a:gradFill>
+                <a:latin typeface="+mn-lt"/>
+                <a:ea typeface="+mn-ea"/>
+                <a:cs typeface="+mn-cs"/>
+              </a:defRPr>
+            </a:lvl2pPr>
+            <a:lvl3pPr marL="798513" marR="0" indent="-225425" algn="l" defTabSz="914363" rtl="0" eaLnBrk="1" fontAlgn="auto" latinLnBrk="0" hangingPunct="1">
+              <a:lnSpc>
+                <a:spcPct val="90000"/>
+              </a:lnSpc>
+              <a:spcBef>
+                <a:spcPct val="20000"/>
+              </a:spcBef>
+              <a:spcAft>
+                <a:spcPts val="0"/>
+              </a:spcAft>
+              <a:buClrTx/>
+              <a:buSzPct val="90000"/>
+              <a:buFont typeface="Wingdings" pitchFamily="2" charset="2"/>
+              <a:buChar char=""/>
+              <a:tabLst>
+                <a:tab pos="798513" algn="l"/>
+              </a:tabLst>
+              <a:defRPr sz="2400" kern="1200" spc="0" baseline="0">
+                <a:gradFill>
+                  <a:gsLst>
+                    <a:gs pos="1250">
+                      <a:schemeClr val="tx1"/>
+                    </a:gs>
+                    <a:gs pos="100000">
+                      <a:schemeClr val="tx1"/>
+                    </a:gs>
+                  </a:gsLst>
+                  <a:lin ang="5400000" scaled="0"/>
+                </a:gradFill>
+                <a:latin typeface="+mn-lt"/>
+                <a:ea typeface="+mn-ea"/>
+                <a:cs typeface="+mn-cs"/>
+              </a:defRPr>
+            </a:lvl3pPr>
+            <a:lvl4pPr marL="1030288" marR="0" indent="-231775" algn="l" defTabSz="914363" rtl="0" eaLnBrk="1" fontAlgn="auto" latinLnBrk="0" hangingPunct="1">
+              <a:lnSpc>
+                <a:spcPct val="90000"/>
+              </a:lnSpc>
+              <a:spcBef>
+                <a:spcPct val="20000"/>
+              </a:spcBef>
+              <a:spcAft>
+                <a:spcPts val="0"/>
+              </a:spcAft>
+              <a:buClrTx/>
+              <a:buSzPct val="90000"/>
+              <a:buFont typeface="Wingdings" pitchFamily="2" charset="2"/>
+              <a:buChar char=""/>
+              <a:tabLst/>
+              <a:defRPr sz="2000" kern="1200" spc="0" baseline="0">
+                <a:gradFill>
+                  <a:gsLst>
+                    <a:gs pos="1250">
+                      <a:schemeClr val="tx1"/>
+                    </a:gs>
+                    <a:gs pos="100000">
+                      <a:schemeClr val="tx1"/>
+                    </a:gs>
+                  </a:gsLst>
+                  <a:lin ang="5400000" scaled="0"/>
+                </a:gradFill>
+                <a:latin typeface="+mn-lt"/>
+                <a:ea typeface="+mn-ea"/>
+                <a:cs typeface="+mn-cs"/>
+              </a:defRPr>
+            </a:lvl4pPr>
+            <a:lvl5pPr marL="1255713" marR="0" indent="-225425" algn="l" defTabSz="914363" rtl="0" eaLnBrk="1" fontAlgn="auto" latinLnBrk="0" hangingPunct="1">
+              <a:lnSpc>
+                <a:spcPct val="90000"/>
+              </a:lnSpc>
+              <a:spcBef>
+                <a:spcPct val="20000"/>
+              </a:spcBef>
+              <a:spcAft>
+                <a:spcPts val="0"/>
+              </a:spcAft>
+              <a:buClrTx/>
+              <a:buSzPct val="90000"/>
+              <a:buFont typeface="Wingdings" pitchFamily="2" charset="2"/>
+              <a:buChar char=""/>
+              <a:tabLst>
+                <a:tab pos="1255713" algn="l"/>
+              </a:tabLst>
+              <a:defRPr sz="2000" kern="1200" spc="0" baseline="0">
+                <a:gradFill>
+                  <a:gsLst>
+                    <a:gs pos="1250">
+                      <a:schemeClr val="tx1"/>
+                    </a:gs>
+                    <a:gs pos="100000">
+                      <a:schemeClr val="tx1"/>
+                    </a:gs>
+                  </a:gsLst>
+                  <a:lin ang="5400000" scaled="0"/>
+                </a:gradFill>
+                <a:latin typeface="+mn-lt"/>
+                <a:ea typeface="+mn-ea"/>
+                <a:cs typeface="+mn-cs"/>
+              </a:defRPr>
+            </a:lvl5pPr>
+            <a:lvl6pPr marL="2514499" indent="-228591" algn="l" defTabSz="914363" rtl="0" eaLnBrk="1" latinLnBrk="0" hangingPunct="1">
+              <a:spcBef>
+                <a:spcPct val="20000"/>
+              </a:spcBef>
+              <a:buFont typeface="Arial" pitchFamily="34" charset="0"/>
+              <a:buChar char="•"/>
+              <a:defRPr sz="2000" kern="1200">
+                <a:solidFill>
+                  <a:schemeClr val="tx1"/>
+                </a:solidFill>
+                <a:latin typeface="+mn-lt"/>
+                <a:ea typeface="+mn-ea"/>
+                <a:cs typeface="+mn-cs"/>
+              </a:defRPr>
+            </a:lvl6pPr>
+            <a:lvl7pPr marL="2971681" indent="-228591" algn="l" defTabSz="914363" rtl="0" eaLnBrk="1" latinLnBrk="0" hangingPunct="1">
+              <a:spcBef>
+                <a:spcPct val="20000"/>
+              </a:spcBef>
+              <a:buFont typeface="Arial" pitchFamily="34" charset="0"/>
+              <a:buChar char="•"/>
+              <a:defRPr sz="2000" kern="1200">
+                <a:solidFill>
+                  <a:schemeClr val="tx1"/>
+                </a:solidFill>
+                <a:latin typeface="+mn-lt"/>
+                <a:ea typeface="+mn-ea"/>
+                <a:cs typeface="+mn-cs"/>
+              </a:defRPr>
+            </a:lvl7pPr>
+            <a:lvl8pPr marL="3428863" indent="-228591" algn="l" defTabSz="914363" rtl="0" eaLnBrk="1" latinLnBrk="0" hangingPunct="1">
+              <a:spcBef>
+                <a:spcPct val="20000"/>
+              </a:spcBef>
+              <a:buFont typeface="Arial" pitchFamily="34" charset="0"/>
+              <a:buChar char="•"/>
+              <a:defRPr sz="2000" kern="1200">
+                <a:solidFill>
+                  <a:schemeClr val="tx1"/>
+                </a:solidFill>
+                <a:latin typeface="+mn-lt"/>
+                <a:ea typeface="+mn-ea"/>
+                <a:cs typeface="+mn-cs"/>
+              </a:defRPr>
+            </a:lvl8pPr>
+            <a:lvl9pPr marL="3886045" indent="-228591" algn="l" defTabSz="914363" rtl="0" eaLnBrk="1" latinLnBrk="0" hangingPunct="1">
+              <a:spcBef>
+                <a:spcPct val="20000"/>
+              </a:spcBef>
+              <a:buFont typeface="Arial" pitchFamily="34" charset="0"/>
+              <a:buChar char="•"/>
+              <a:defRPr sz="2000" kern="1200">
+                <a:solidFill>
+                  <a:schemeClr val="tx1"/>
+                </a:solidFill>
+                <a:latin typeface="+mn-lt"/>
+                <a:ea typeface="+mn-ea"/>
+                <a:cs typeface="+mn-cs"/>
+              </a:defRPr>
+            </a:lvl9pPr>
+          </a:lstStyle>
+          <a:p>
+            <a:pPr marL="0" marR="0" lvl="0" indent="0" algn="l" defTabSz="914363" rtl="0" eaLnBrk="1" fontAlgn="auto" latinLnBrk="0" hangingPunct="1">
+              <a:lnSpc>
+                <a:spcPct val="90000"/>
+              </a:lnSpc>
+              <a:spcBef>
+                <a:spcPts val="0"/>
+              </a:spcBef>
+              <a:spcAft>
+                <a:spcPts val="0"/>
+              </a:spcAft>
+              <a:buClrTx/>
+              <a:buSzPct val="90000"/>
+              <a:buFont typeface="Arial" pitchFamily="34" charset="0"/>
+              <a:buNone/>
+              <a:tabLst/>
+              <a:defRPr/>
+            </a:pPr>
+            <a:endParaRPr kumimoji="0" lang="en-US" sz="3600" b="0" i="0" u="none" strike="noStrike" kern="1200" cap="none" spc="0" normalizeH="0" baseline="0" noProof="0" dirty="0">
+              <a:ln>
+                <a:noFill/>
+              </a:ln>
+              <a:solidFill>
+                <a:srgbClr val="4682B1"/>
+              </a:solidFill>
+              <a:effectLst/>
+              <a:uLnTx/>
+              <a:uFillTx/>
+              <a:latin typeface="Segoe UI Light"/>
+              <a:ea typeface="+mn-ea"/>
+              <a:cs typeface="+mn-cs"/>
+            </a:endParaRPr>
+          </a:p>
+        </p:txBody>
+      </p:sp>
+      <p:sp>
+        <p:nvSpPr>
+          <p:cNvPr id="5" name="TextBox 4"/>
+          <p:cNvSpPr txBox="1"/>
+          <p:nvPr userDrawn="1"/>
+        </p:nvSpPr>
+        <p:spPr>
+          <a:xfrm>
+            <a:off x="441959" y="311111"/>
+            <a:ext cx="11610133" cy="369332"/>
+          </a:xfrm>
+          <a:prstGeom prst="rect">
+            <a:avLst/>
+          </a:prstGeom>
+          <a:noFill/>
+        </p:spPr>
+        <p:txBody>
+          <a:bodyPr wrap="square" lIns="0" tIns="0" rIns="0" bIns="0" rtlCol="0">
+            <a:spAutoFit/>
+          </a:bodyPr>
+          <a:lstStyle/>
+          <a:p>
+            <a:r>
+              <a:rPr lang="en-US" sz="2400" spc="-70" dirty="0">
+                <a:solidFill>
+                  <a:srgbClr val="4682B1"/>
+                </a:solidFill>
+              </a:rPr>
+              <a:t>#</a:t>
+            </a:r>
+            <a:r>
+              <a:rPr lang="en-US" sz="2400" spc="-70" dirty="0" err="1">
+                <a:solidFill>
+                  <a:srgbClr val="4682B1"/>
+                </a:solidFill>
+              </a:rPr>
+              <a:t>jaxcloud</a:t>
+            </a:r>
+            <a:r>
+              <a:rPr lang="en-US" sz="2400" spc="-70" dirty="0">
+                <a:solidFill>
+                  <a:srgbClr val="4682B1"/>
+                </a:solidFill>
+              </a:rPr>
+              <a:t> @</a:t>
+            </a:r>
+            <a:r>
+              <a:rPr lang="en-US" sz="2400" spc="-70" dirty="0" err="1">
+                <a:solidFill>
+                  <a:srgbClr val="4682B1"/>
+                </a:solidFill>
+              </a:rPr>
+              <a:t>jaxcloudug</a:t>
+            </a:r>
+            <a:r>
+              <a:rPr lang="en-US" sz="2400" spc="-70" dirty="0">
+                <a:solidFill>
+                  <a:srgbClr val="4682B1"/>
+                </a:solidFill>
+              </a:rPr>
+              <a:t> #gab2017                                                                           </a:t>
+            </a:r>
+            <a:r>
+              <a:rPr lang="en-US" sz="2000" spc="-70" dirty="0">
+                <a:solidFill>
+                  <a:srgbClr val="4682B1"/>
+                </a:solidFill>
+              </a:rPr>
+              <a:t>April 22, 2017</a:t>
+            </a:r>
+          </a:p>
+        </p:txBody>
+      </p:sp>
+      <p:pic>
+        <p:nvPicPr>
+          <p:cNvPr id="6" name="Picture 2" descr="Image result for azure"/>
+          <p:cNvPicPr>
+            <a:picLocks noChangeAspect="1" noChangeArrowheads="1"/>
+          </p:cNvPicPr>
+          <p:nvPr userDrawn="1"/>
+        </p:nvPicPr>
+        <p:blipFill rotWithShape="1">
+          <a:blip r:embed="rId2">
+            <a:extLst>
+              <a:ext uri="{28A0092B-C50C-407E-A947-70E740481C1C}">
+                <a14:useLocalDpi xmlns:a14="http://schemas.microsoft.com/office/drawing/2010/main" val="0"/>
+              </a:ext>
+            </a:extLst>
+          </a:blip>
+          <a:srcRect t="10381" b="43740"/>
+          <a:stretch/>
+        </p:blipFill>
+        <p:spPr bwMode="auto">
+          <a:xfrm>
+            <a:off x="0" y="3694612"/>
+            <a:ext cx="12192000" cy="3238848"/>
+          </a:xfrm>
+          <a:prstGeom prst="rect">
+            <a:avLst/>
+          </a:prstGeom>
+          <a:noFill/>
+          <a:extLst>
+            <a:ext uri="{909E8E84-426E-40DD-AFC4-6F175D3DCCD1}">
+              <a14:hiddenFill xmlns:a14="http://schemas.microsoft.com/office/drawing/2010/main">
+                <a:solidFill>
+                  <a:srgbClr val="FFFFFF"/>
+                </a:solidFill>
+              </a14:hiddenFill>
+            </a:ext>
+          </a:extLst>
+        </p:spPr>
+      </p:pic>
+    </p:spTree>
+    <p:extLst>
+      <p:ext uri="{BB962C8B-B14F-4D97-AF65-F5344CB8AC3E}">
+        <p14:creationId xmlns:p14="http://schemas.microsoft.com/office/powerpoint/2010/main" val="3923369161"/>
+      </p:ext>
+    </p:extLst>
+  </p:cSld>
+  <p:clrMapOvr>
+    <a:masterClrMapping/>
+  </p:clrMapOvr>
+  <p:transition>
+    <p:fade/>
+  </p:transition>
+</p:sldLayout>
+</file>
+
+<file path=ppt/slideLayouts/slideLayout30.xml><?xml version="1.0" encoding="utf-8"?>
 <p:sldLayout xmlns:a="http://schemas.openxmlformats.org/drawingml/2006/main" xmlns:r="http://schemas.openxmlformats.org/officeDocument/2006/relationships" xmlns:p="http://schemas.openxmlformats.org/presentationml/2006/main" preserve="1" userDrawn="1">
   <p:cSld name="Title and Content">
     <p:bg>
@@ -4917,303 +5873,7 @@
 </p:sldLayout>
 </file>
 
-<file path=ppt/slideLayouts/slideLayout3.xml><?xml version="1.0" encoding="utf-8"?>
-<p:sldLayout xmlns:a="http://schemas.openxmlformats.org/drawingml/2006/main" xmlns:r="http://schemas.openxmlformats.org/officeDocument/2006/relationships" xmlns:p="http://schemas.openxmlformats.org/presentationml/2006/main" preserve="1">
-  <p:cSld name="Demo, Video etc. &quot;special&quot; slides">
-    <p:spTree>
-      <p:nvGrpSpPr>
-        <p:cNvPr id="1" name=""/>
-        <p:cNvGrpSpPr/>
-        <p:nvPr/>
-      </p:nvGrpSpPr>
-      <p:grpSpPr>
-        <a:xfrm>
-          <a:off x="0" y="0"/>
-          <a:ext cx="0" cy="0"/>
-          <a:chOff x="0" y="0"/>
-          <a:chExt cx="0" cy="0"/>
-        </a:xfrm>
-      </p:grpSpPr>
-      <p:sp>
-        <p:nvSpPr>
-          <p:cNvPr id="3" name="Subtitle 2"/>
-          <p:cNvSpPr>
-            <a:spLocks noGrp="1"/>
-          </p:cNvSpPr>
-          <p:nvPr>
-            <p:ph type="subTitle" idx="1"/>
-          </p:nvPr>
-        </p:nvSpPr>
-        <p:spPr>
-          <a:xfrm>
-            <a:off x="973392" y="4343401"/>
-            <a:ext cx="10240453" cy="461665"/>
-          </a:xfrm>
-        </p:spPr>
-        <p:txBody>
-          <a:bodyPr>
-            <a:noAutofit/>
-          </a:bodyPr>
-          <a:lstStyle>
-            <a:lvl1pPr marL="0" indent="0" algn="l">
-              <a:lnSpc>
-                <a:spcPct val="90000"/>
-              </a:lnSpc>
-              <a:spcBef>
-                <a:spcPts val="0"/>
-              </a:spcBef>
-              <a:buNone/>
-              <a:defRPr lang="en-US" sz="3600" kern="1200" spc="-70" baseline="0" dirty="0">
-                <a:gradFill>
-                  <a:gsLst>
-                    <a:gs pos="2083">
-                      <a:schemeClr val="bg2"/>
-                    </a:gs>
-                    <a:gs pos="99000">
-                      <a:schemeClr val="bg2"/>
-                    </a:gs>
-                  </a:gsLst>
-                  <a:lin ang="5400000" scaled="0"/>
-                </a:gradFill>
-                <a:latin typeface="+mj-lt"/>
-                <a:ea typeface="+mn-ea"/>
-                <a:cs typeface="+mn-cs"/>
-              </a:defRPr>
-            </a:lvl1pPr>
-            <a:lvl2pPr marL="457182" indent="0" algn="ctr">
-              <a:buNone/>
-              <a:defRPr>
-                <a:solidFill>
-                  <a:schemeClr val="tx1">
-                    <a:tint val="75000"/>
-                  </a:schemeClr>
-                </a:solidFill>
-              </a:defRPr>
-            </a:lvl2pPr>
-            <a:lvl3pPr marL="914363" indent="0" algn="ctr">
-              <a:buNone/>
-              <a:defRPr>
-                <a:solidFill>
-                  <a:schemeClr val="tx1">
-                    <a:tint val="75000"/>
-                  </a:schemeClr>
-                </a:solidFill>
-              </a:defRPr>
-            </a:lvl3pPr>
-            <a:lvl4pPr marL="1371545" indent="0" algn="ctr">
-              <a:buNone/>
-              <a:defRPr>
-                <a:solidFill>
-                  <a:schemeClr val="tx1">
-                    <a:tint val="75000"/>
-                  </a:schemeClr>
-                </a:solidFill>
-              </a:defRPr>
-            </a:lvl4pPr>
-            <a:lvl5pPr marL="1828727" indent="0" algn="ctr">
-              <a:buNone/>
-              <a:defRPr>
-                <a:solidFill>
-                  <a:schemeClr val="tx1">
-                    <a:tint val="75000"/>
-                  </a:schemeClr>
-                </a:solidFill>
-              </a:defRPr>
-            </a:lvl5pPr>
-            <a:lvl6pPr marL="2285909" indent="0" algn="ctr">
-              <a:buNone/>
-              <a:defRPr>
-                <a:solidFill>
-                  <a:schemeClr val="tx1">
-                    <a:tint val="75000"/>
-                  </a:schemeClr>
-                </a:solidFill>
-              </a:defRPr>
-            </a:lvl6pPr>
-            <a:lvl7pPr marL="2743090" indent="0" algn="ctr">
-              <a:buNone/>
-              <a:defRPr>
-                <a:solidFill>
-                  <a:schemeClr val="tx1">
-                    <a:tint val="75000"/>
-                  </a:schemeClr>
-                </a:solidFill>
-              </a:defRPr>
-            </a:lvl7pPr>
-            <a:lvl8pPr marL="3200272" indent="0" algn="ctr">
-              <a:buNone/>
-              <a:defRPr>
-                <a:solidFill>
-                  <a:schemeClr val="tx1">
-                    <a:tint val="75000"/>
-                  </a:schemeClr>
-                </a:solidFill>
-              </a:defRPr>
-            </a:lvl8pPr>
-            <a:lvl9pPr marL="3657454" indent="0" algn="ctr">
-              <a:buNone/>
-              <a:defRPr>
-                <a:solidFill>
-                  <a:schemeClr val="tx1">
-                    <a:tint val="75000"/>
-                  </a:schemeClr>
-                </a:solidFill>
-              </a:defRPr>
-            </a:lvl9pPr>
-          </a:lstStyle>
-          <a:p>
-            <a:pPr marL="0" marR="0" lvl="0" indent="0" algn="l" defTabSz="914363" rtl="0" eaLnBrk="1" fontAlgn="auto" latinLnBrk="0" hangingPunct="1">
-              <a:lnSpc>
-                <a:spcPct val="90000"/>
-              </a:lnSpc>
-              <a:spcBef>
-                <a:spcPts val="0"/>
-              </a:spcBef>
-              <a:spcAft>
-                <a:spcPts val="0"/>
-              </a:spcAft>
-              <a:buClrTx/>
-              <a:buSzPct val="90000"/>
-              <a:buFont typeface="Arial" pitchFamily="34" charset="0"/>
-              <a:buNone/>
-              <a:tabLst/>
-            </a:pPr>
-            <a:r>
-              <a:rPr lang="en-US"/>
-              <a:t>Click to edit Master subtitle style</a:t>
-            </a:r>
-            <a:endParaRPr lang="en-US" dirty="0"/>
-          </a:p>
-        </p:txBody>
-      </p:sp>
-      <p:sp>
-        <p:nvSpPr>
-          <p:cNvPr id="7" name="Text Placeholder 6"/>
-          <p:cNvSpPr>
-            <a:spLocks noGrp="1"/>
-          </p:cNvSpPr>
-          <p:nvPr>
-            <p:ph type="body" sz="quarter" idx="10" hasCustomPrompt="1"/>
-          </p:nvPr>
-        </p:nvSpPr>
-        <p:spPr>
-          <a:xfrm>
-            <a:off x="973392" y="2739678"/>
-            <a:ext cx="10248394" cy="1378644"/>
-          </a:xfrm>
-        </p:spPr>
-        <p:txBody>
-          <a:bodyPr anchor="ctr" anchorCtr="0">
-            <a:noAutofit/>
-            <a:scene3d>
-              <a:camera prst="orthographicFront"/>
-              <a:lightRig rig="flat" dir="t"/>
-            </a:scene3d>
-            <a:sp3d>
-              <a:contourClr>
-                <a:schemeClr val="tx2"/>
-              </a:contourClr>
-            </a:sp3d>
-          </a:bodyPr>
-          <a:lstStyle>
-            <a:lvl1pPr marL="0" indent="0" algn="l">
-              <a:spcBef>
-                <a:spcPts val="0"/>
-              </a:spcBef>
-              <a:buFont typeface="Arial" pitchFamily="34" charset="0"/>
-              <a:buNone/>
-              <a:defRPr lang="en-US" sz="9600" b="0" kern="1200" cap="none" spc="-400" baseline="0" dirty="0" smtClean="0">
-                <a:ln w="3175">
-                  <a:noFill/>
-                </a:ln>
-                <a:gradFill>
-                  <a:gsLst>
-                    <a:gs pos="100000">
-                      <a:schemeClr val="tx2"/>
-                    </a:gs>
-                    <a:gs pos="0">
-                      <a:schemeClr val="tx2"/>
-                    </a:gs>
-                  </a:gsLst>
-                  <a:lin ang="5400000" scaled="0"/>
-                </a:gradFill>
-                <a:effectLst/>
-                <a:latin typeface="+mj-lt"/>
-                <a:ea typeface="+mn-ea"/>
-                <a:cs typeface="Arial" charset="0"/>
-              </a:defRPr>
-            </a:lvl1pPr>
-          </a:lstStyle>
-          <a:p>
-            <a:pPr lvl="0"/>
-            <a:r>
-              <a:rPr lang="en-US" dirty="0"/>
-              <a:t>click to…</a:t>
-            </a:r>
-          </a:p>
-        </p:txBody>
-      </p:sp>
-      <p:sp>
-        <p:nvSpPr>
-          <p:cNvPr id="5" name="Text Placeholder 4"/>
-          <p:cNvSpPr>
-            <a:spLocks noGrp="1"/>
-          </p:cNvSpPr>
-          <p:nvPr>
-            <p:ph type="body" sz="quarter" idx="11"/>
-          </p:nvPr>
-        </p:nvSpPr>
-        <p:spPr>
-          <a:xfrm>
-            <a:off x="973392" y="1447800"/>
-            <a:ext cx="10240454" cy="914096"/>
-          </a:xfrm>
-        </p:spPr>
-        <p:txBody>
-          <a:bodyPr wrap="square" anchor="b">
-            <a:noAutofit/>
-          </a:bodyPr>
-          <a:lstStyle>
-            <a:lvl1pPr marL="0" indent="0">
-              <a:buNone/>
-              <a:defRPr sz="6600" spc="-150"/>
-            </a:lvl1pPr>
-          </a:lstStyle>
-          <a:p>
-            <a:pPr lvl="0"/>
-            <a:r>
-              <a:rPr lang="en-US"/>
-              <a:t>Click to edit Master text styles</a:t>
-            </a:r>
-          </a:p>
-        </p:txBody>
-      </p:sp>
-    </p:spTree>
-    <p:extLst>
-      <p:ext uri="{BB962C8B-B14F-4D97-AF65-F5344CB8AC3E}">
-        <p14:creationId xmlns:p14="http://schemas.microsoft.com/office/powerpoint/2010/main" val="3975885115"/>
-      </p:ext>
-    </p:extLst>
-  </p:cSld>
-  <p:clrMapOvr>
-    <a:masterClrMapping/>
-  </p:clrMapOvr>
-  <mc:AlternateContent xmlns:mc="http://schemas.openxmlformats.org/markup-compatibility/2006" xmlns:p14="http://schemas.microsoft.com/office/powerpoint/2010/main">
-    <mc:Choice Requires="p14">
-      <p:transition spd="slow" p14:dur="3400">
-        <p14:reveal/>
-      </p:transition>
-    </mc:Choice>
-    <mc:Fallback xmlns="">
-      <p:transition spd="slow">
-        <p:fade/>
-      </p:transition>
-    </mc:Fallback>
-  </mc:AlternateContent>
-</p:sldLayout>
-</file>
-
-<file path=ppt/slideLayouts/slideLayout30.xml><?xml version="1.0" encoding="utf-8"?>
+<file path=ppt/slideLayouts/slideLayout31.xml><?xml version="1.0" encoding="utf-8"?>
 <p:sldLayout xmlns:a="http://schemas.openxmlformats.org/drawingml/2006/main" xmlns:r="http://schemas.openxmlformats.org/officeDocument/2006/relationships" xmlns:p="http://schemas.openxmlformats.org/presentationml/2006/main" preserve="1" userDrawn="1">
   <p:cSld name="Two Column Bullet text">
     <p:bg>
@@ -5445,7 +6105,7 @@
 </p:sldLayout>
 </file>
 
-<file path=ppt/slideLayouts/slideLayout31.xml><?xml version="1.0" encoding="utf-8"?>
+<file path=ppt/slideLayouts/slideLayout32.xml><?xml version="1.0" encoding="utf-8"?>
 <p:sldLayout xmlns:a="http://schemas.openxmlformats.org/drawingml/2006/main" xmlns:r="http://schemas.openxmlformats.org/officeDocument/2006/relationships" xmlns:p="http://schemas.openxmlformats.org/presentationml/2006/main" preserve="1" userDrawn="1">
   <p:cSld name="Two Column Non-bulleted text">
     <p:bg>
@@ -5685,7 +6345,7 @@
 </p:sldLayout>
 </file>
 
-<file path=ppt/slideLayouts/slideLayout32.xml><?xml version="1.0" encoding="utf-8"?>
+<file path=ppt/slideLayouts/slideLayout33.xml><?xml version="1.0" encoding="utf-8"?>
 <p:sldLayout xmlns:a="http://schemas.openxmlformats.org/drawingml/2006/main" xmlns:r="http://schemas.openxmlformats.org/officeDocument/2006/relationships" xmlns:p="http://schemas.openxmlformats.org/presentationml/2006/main" preserve="1" userDrawn="1">
   <p:cSld name="Section Title Accent Color 1">
     <p:bg>
@@ -5762,7 +6422,7 @@
 </p:sldLayout>
 </file>
 
-<file path=ppt/slideLayouts/slideLayout33.xml><?xml version="1.0" encoding="utf-8"?>
+<file path=ppt/slideLayouts/slideLayout34.xml><?xml version="1.0" encoding="utf-8"?>
 <p:sldLayout xmlns:a="http://schemas.openxmlformats.org/drawingml/2006/main" xmlns:r="http://schemas.openxmlformats.org/officeDocument/2006/relationships" xmlns:p="http://schemas.openxmlformats.org/presentationml/2006/main" preserve="1" userDrawn="1">
   <p:cSld name="Blank">
     <p:bg>
@@ -5803,7 +6463,7 @@
 </p:sldLayout>
 </file>
 
-<file path=ppt/slideLayouts/slideLayout34.xml><?xml version="1.0" encoding="utf-8"?>
+<file path=ppt/slideLayouts/slideLayout35.xml><?xml version="1.0" encoding="utf-8"?>
 <p:sldLayout xmlns:a="http://schemas.openxmlformats.org/drawingml/2006/main" xmlns:r="http://schemas.openxmlformats.org/officeDocument/2006/relationships" xmlns:p="http://schemas.openxmlformats.org/presentationml/2006/main" preserve="1" userDrawn="1">
   <p:cSld name="Title &amp; 2-color Non-bulleted text">
     <p:bg>
@@ -5955,7 +6615,7 @@
 </p:sldLayout>
 </file>
 
-<file path=ppt/slideLayouts/slideLayout35.xml><?xml version="1.0" encoding="utf-8"?>
+<file path=ppt/slideLayouts/slideLayout36.xml><?xml version="1.0" encoding="utf-8"?>
 <p:sldLayout xmlns:a="http://schemas.openxmlformats.org/drawingml/2006/main" xmlns:r="http://schemas.openxmlformats.org/officeDocument/2006/relationships" xmlns:p="http://schemas.openxmlformats.org/presentationml/2006/main" preserve="1" userDrawn="1">
   <p:cSld name="1_Title &amp; Non-bulleted text">
     <p:bg>
@@ -6107,7 +6767,7 @@
 </p:sldLayout>
 </file>
 
-<file path=ppt/slideLayouts/slideLayout36.xml><?xml version="1.0" encoding="utf-8"?>
+<file path=ppt/slideLayouts/slideLayout37.xml><?xml version="1.0" encoding="utf-8"?>
 <p:sldLayout xmlns:a="http://schemas.openxmlformats.org/drawingml/2006/main" xmlns:r="http://schemas.openxmlformats.org/officeDocument/2006/relationships" xmlns:p="http://schemas.openxmlformats.org/presentationml/2006/main" preserve="1" userDrawn="1">
   <p:cSld name="Title and Content 1st level color text">
     <p:bg>
@@ -6242,7 +6902,7 @@
 </p:sldLayout>
 </file>
 
-<file path=ppt/slideLayouts/slideLayout37.xml><?xml version="1.0" encoding="utf-8"?>
+<file path=ppt/slideLayouts/slideLayout38.xml><?xml version="1.0" encoding="utf-8"?>
 <p:sldLayout xmlns:a="http://schemas.openxmlformats.org/drawingml/2006/main" xmlns:r="http://schemas.openxmlformats.org/officeDocument/2006/relationships" xmlns:p="http://schemas.openxmlformats.org/presentationml/2006/main" preserve="1" userDrawn="1">
   <p:cSld name="1_Title and Content">
     <p:bg>
@@ -6365,7 +7025,7 @@
 </p:sldLayout>
 </file>
 
-<file path=ppt/slideLayouts/slideLayout38.xml><?xml version="1.0" encoding="utf-8"?>
+<file path=ppt/slideLayouts/slideLayout39.xml><?xml version="1.0" encoding="utf-8"?>
 <p:sldLayout xmlns:a="http://schemas.openxmlformats.org/drawingml/2006/main" xmlns:r="http://schemas.openxmlformats.org/officeDocument/2006/relationships" xmlns:p="http://schemas.openxmlformats.org/presentationml/2006/main" preserve="1" userDrawn="1">
   <p:cSld name="Two Column 2-color Non-bulleted">
     <p:bg>
@@ -6628,7 +7288,303 @@
 </p:sldLayout>
 </file>
 
-<file path=ppt/slideLayouts/slideLayout39.xml><?xml version="1.0" encoding="utf-8"?>
+<file path=ppt/slideLayouts/slideLayout4.xml><?xml version="1.0" encoding="utf-8"?>
+<p:sldLayout xmlns:a="http://schemas.openxmlformats.org/drawingml/2006/main" xmlns:r="http://schemas.openxmlformats.org/officeDocument/2006/relationships" xmlns:p="http://schemas.openxmlformats.org/presentationml/2006/main" preserve="1">
+  <p:cSld name="Demo, Video etc. &quot;special&quot; slides">
+    <p:spTree>
+      <p:nvGrpSpPr>
+        <p:cNvPr id="1" name=""/>
+        <p:cNvGrpSpPr/>
+        <p:nvPr/>
+      </p:nvGrpSpPr>
+      <p:grpSpPr>
+        <a:xfrm>
+          <a:off x="0" y="0"/>
+          <a:ext cx="0" cy="0"/>
+          <a:chOff x="0" y="0"/>
+          <a:chExt cx="0" cy="0"/>
+        </a:xfrm>
+      </p:grpSpPr>
+      <p:sp>
+        <p:nvSpPr>
+          <p:cNvPr id="3" name="Subtitle 2"/>
+          <p:cNvSpPr>
+            <a:spLocks noGrp="1"/>
+          </p:cNvSpPr>
+          <p:nvPr>
+            <p:ph type="subTitle" idx="1"/>
+          </p:nvPr>
+        </p:nvSpPr>
+        <p:spPr>
+          <a:xfrm>
+            <a:off x="973392" y="4343401"/>
+            <a:ext cx="10240453" cy="461665"/>
+          </a:xfrm>
+        </p:spPr>
+        <p:txBody>
+          <a:bodyPr>
+            <a:noAutofit/>
+          </a:bodyPr>
+          <a:lstStyle>
+            <a:lvl1pPr marL="0" indent="0" algn="l">
+              <a:lnSpc>
+                <a:spcPct val="90000"/>
+              </a:lnSpc>
+              <a:spcBef>
+                <a:spcPts val="0"/>
+              </a:spcBef>
+              <a:buNone/>
+              <a:defRPr lang="en-US" sz="3600" kern="1200" spc="-70" baseline="0" dirty="0">
+                <a:gradFill>
+                  <a:gsLst>
+                    <a:gs pos="2083">
+                      <a:schemeClr val="bg2"/>
+                    </a:gs>
+                    <a:gs pos="99000">
+                      <a:schemeClr val="bg2"/>
+                    </a:gs>
+                  </a:gsLst>
+                  <a:lin ang="5400000" scaled="0"/>
+                </a:gradFill>
+                <a:latin typeface="+mj-lt"/>
+                <a:ea typeface="+mn-ea"/>
+                <a:cs typeface="+mn-cs"/>
+              </a:defRPr>
+            </a:lvl1pPr>
+            <a:lvl2pPr marL="457182" indent="0" algn="ctr">
+              <a:buNone/>
+              <a:defRPr>
+                <a:solidFill>
+                  <a:schemeClr val="tx1">
+                    <a:tint val="75000"/>
+                  </a:schemeClr>
+                </a:solidFill>
+              </a:defRPr>
+            </a:lvl2pPr>
+            <a:lvl3pPr marL="914363" indent="0" algn="ctr">
+              <a:buNone/>
+              <a:defRPr>
+                <a:solidFill>
+                  <a:schemeClr val="tx1">
+                    <a:tint val="75000"/>
+                  </a:schemeClr>
+                </a:solidFill>
+              </a:defRPr>
+            </a:lvl3pPr>
+            <a:lvl4pPr marL="1371545" indent="0" algn="ctr">
+              <a:buNone/>
+              <a:defRPr>
+                <a:solidFill>
+                  <a:schemeClr val="tx1">
+                    <a:tint val="75000"/>
+                  </a:schemeClr>
+                </a:solidFill>
+              </a:defRPr>
+            </a:lvl4pPr>
+            <a:lvl5pPr marL="1828727" indent="0" algn="ctr">
+              <a:buNone/>
+              <a:defRPr>
+                <a:solidFill>
+                  <a:schemeClr val="tx1">
+                    <a:tint val="75000"/>
+                  </a:schemeClr>
+                </a:solidFill>
+              </a:defRPr>
+            </a:lvl5pPr>
+            <a:lvl6pPr marL="2285909" indent="0" algn="ctr">
+              <a:buNone/>
+              <a:defRPr>
+                <a:solidFill>
+                  <a:schemeClr val="tx1">
+                    <a:tint val="75000"/>
+                  </a:schemeClr>
+                </a:solidFill>
+              </a:defRPr>
+            </a:lvl6pPr>
+            <a:lvl7pPr marL="2743090" indent="0" algn="ctr">
+              <a:buNone/>
+              <a:defRPr>
+                <a:solidFill>
+                  <a:schemeClr val="tx1">
+                    <a:tint val="75000"/>
+                  </a:schemeClr>
+                </a:solidFill>
+              </a:defRPr>
+            </a:lvl7pPr>
+            <a:lvl8pPr marL="3200272" indent="0" algn="ctr">
+              <a:buNone/>
+              <a:defRPr>
+                <a:solidFill>
+                  <a:schemeClr val="tx1">
+                    <a:tint val="75000"/>
+                  </a:schemeClr>
+                </a:solidFill>
+              </a:defRPr>
+            </a:lvl8pPr>
+            <a:lvl9pPr marL="3657454" indent="0" algn="ctr">
+              <a:buNone/>
+              <a:defRPr>
+                <a:solidFill>
+                  <a:schemeClr val="tx1">
+                    <a:tint val="75000"/>
+                  </a:schemeClr>
+                </a:solidFill>
+              </a:defRPr>
+            </a:lvl9pPr>
+          </a:lstStyle>
+          <a:p>
+            <a:pPr marL="0" marR="0" lvl="0" indent="0" algn="l" defTabSz="914363" rtl="0" eaLnBrk="1" fontAlgn="auto" latinLnBrk="0" hangingPunct="1">
+              <a:lnSpc>
+                <a:spcPct val="90000"/>
+              </a:lnSpc>
+              <a:spcBef>
+                <a:spcPts val="0"/>
+              </a:spcBef>
+              <a:spcAft>
+                <a:spcPts val="0"/>
+              </a:spcAft>
+              <a:buClrTx/>
+              <a:buSzPct val="90000"/>
+              <a:buFont typeface="Arial" pitchFamily="34" charset="0"/>
+              <a:buNone/>
+              <a:tabLst/>
+            </a:pPr>
+            <a:r>
+              <a:rPr lang="en-US"/>
+              <a:t>Click to edit Master subtitle style</a:t>
+            </a:r>
+            <a:endParaRPr lang="en-US" dirty="0"/>
+          </a:p>
+        </p:txBody>
+      </p:sp>
+      <p:sp>
+        <p:nvSpPr>
+          <p:cNvPr id="7" name="Text Placeholder 6"/>
+          <p:cNvSpPr>
+            <a:spLocks noGrp="1"/>
+          </p:cNvSpPr>
+          <p:nvPr>
+            <p:ph type="body" sz="quarter" idx="10" hasCustomPrompt="1"/>
+          </p:nvPr>
+        </p:nvSpPr>
+        <p:spPr>
+          <a:xfrm>
+            <a:off x="973392" y="2739678"/>
+            <a:ext cx="10248394" cy="1378644"/>
+          </a:xfrm>
+        </p:spPr>
+        <p:txBody>
+          <a:bodyPr anchor="ctr" anchorCtr="0">
+            <a:noAutofit/>
+            <a:scene3d>
+              <a:camera prst="orthographicFront"/>
+              <a:lightRig rig="flat" dir="t"/>
+            </a:scene3d>
+            <a:sp3d>
+              <a:contourClr>
+                <a:schemeClr val="tx2"/>
+              </a:contourClr>
+            </a:sp3d>
+          </a:bodyPr>
+          <a:lstStyle>
+            <a:lvl1pPr marL="0" indent="0" algn="l">
+              <a:spcBef>
+                <a:spcPts val="0"/>
+              </a:spcBef>
+              <a:buFont typeface="Arial" pitchFamily="34" charset="0"/>
+              <a:buNone/>
+              <a:defRPr lang="en-US" sz="9600" b="0" kern="1200" cap="none" spc="-400" baseline="0" dirty="0" smtClean="0">
+                <a:ln w="3175">
+                  <a:noFill/>
+                </a:ln>
+                <a:gradFill>
+                  <a:gsLst>
+                    <a:gs pos="100000">
+                      <a:schemeClr val="tx2"/>
+                    </a:gs>
+                    <a:gs pos="0">
+                      <a:schemeClr val="tx2"/>
+                    </a:gs>
+                  </a:gsLst>
+                  <a:lin ang="5400000" scaled="0"/>
+                </a:gradFill>
+                <a:effectLst/>
+                <a:latin typeface="+mj-lt"/>
+                <a:ea typeface="+mn-ea"/>
+                <a:cs typeface="Arial" charset="0"/>
+              </a:defRPr>
+            </a:lvl1pPr>
+          </a:lstStyle>
+          <a:p>
+            <a:pPr lvl="0"/>
+            <a:r>
+              <a:rPr lang="en-US" dirty="0"/>
+              <a:t>click to…</a:t>
+            </a:r>
+          </a:p>
+        </p:txBody>
+      </p:sp>
+      <p:sp>
+        <p:nvSpPr>
+          <p:cNvPr id="5" name="Text Placeholder 4"/>
+          <p:cNvSpPr>
+            <a:spLocks noGrp="1"/>
+          </p:cNvSpPr>
+          <p:nvPr>
+            <p:ph type="body" sz="quarter" idx="11"/>
+          </p:nvPr>
+        </p:nvSpPr>
+        <p:spPr>
+          <a:xfrm>
+            <a:off x="973392" y="1447800"/>
+            <a:ext cx="10240454" cy="914096"/>
+          </a:xfrm>
+        </p:spPr>
+        <p:txBody>
+          <a:bodyPr wrap="square" anchor="b">
+            <a:noAutofit/>
+          </a:bodyPr>
+          <a:lstStyle>
+            <a:lvl1pPr marL="0" indent="0">
+              <a:buNone/>
+              <a:defRPr sz="6600" spc="-150"/>
+            </a:lvl1pPr>
+          </a:lstStyle>
+          <a:p>
+            <a:pPr lvl="0"/>
+            <a:r>
+              <a:rPr lang="en-US"/>
+              <a:t>Click to edit Master text styles</a:t>
+            </a:r>
+          </a:p>
+        </p:txBody>
+      </p:sp>
+    </p:spTree>
+    <p:extLst>
+      <p:ext uri="{BB962C8B-B14F-4D97-AF65-F5344CB8AC3E}">
+        <p14:creationId xmlns:p14="http://schemas.microsoft.com/office/powerpoint/2010/main" val="3975885115"/>
+      </p:ext>
+    </p:extLst>
+  </p:cSld>
+  <p:clrMapOvr>
+    <a:masterClrMapping/>
+  </p:clrMapOvr>
+  <mc:AlternateContent xmlns:mc="http://schemas.openxmlformats.org/markup-compatibility/2006" xmlns:p14="http://schemas.microsoft.com/office/powerpoint/2010/main">
+    <mc:Choice Requires="p14">
+      <p:transition spd="slow" p14:dur="3400">
+        <p14:reveal/>
+      </p:transition>
+    </mc:Choice>
+    <mc:Fallback xmlns="">
+      <p:transition spd="slow">
+        <p:fade/>
+      </p:transition>
+    </mc:Fallback>
+  </mc:AlternateContent>
+</p:sldLayout>
+</file>
+
+<file path=ppt/slideLayouts/slideLayout40.xml><?xml version="1.0" encoding="utf-8"?>
 <p:sldLayout xmlns:a="http://schemas.openxmlformats.org/drawingml/2006/main" xmlns:r="http://schemas.openxmlformats.org/officeDocument/2006/relationships" xmlns:p="http://schemas.openxmlformats.org/presentationml/2006/main" preserve="1" userDrawn="1">
   <p:cSld name="1_Two Column Non-bulleted text">
     <p:bg>
@@ -6867,271 +7823,7 @@
 </p:sldLayout>
 </file>
 
-<file path=ppt/slideLayouts/slideLayout4.xml><?xml version="1.0" encoding="utf-8"?>
-<p:sldLayout xmlns:a="http://schemas.openxmlformats.org/drawingml/2006/main" xmlns:r="http://schemas.openxmlformats.org/officeDocument/2006/relationships" xmlns:p="http://schemas.openxmlformats.org/presentationml/2006/main" preserve="1">
-  <p:cSld name="Title &amp; Content, 2-color, no Bullets">
-    <p:spTree>
-      <p:nvGrpSpPr>
-        <p:cNvPr id="1" name=""/>
-        <p:cNvGrpSpPr/>
-        <p:nvPr/>
-      </p:nvGrpSpPr>
-      <p:grpSpPr>
-        <a:xfrm>
-          <a:off x="0" y="0"/>
-          <a:ext cx="0" cy="0"/>
-          <a:chOff x="0" y="0"/>
-          <a:chExt cx="0" cy="0"/>
-        </a:xfrm>
-      </p:grpSpPr>
-      <p:sp>
-        <p:nvSpPr>
-          <p:cNvPr id="5" name="Text Placeholder 4"/>
-          <p:cNvSpPr>
-            <a:spLocks noGrp="1"/>
-          </p:cNvSpPr>
-          <p:nvPr>
-            <p:ph type="body" sz="quarter" idx="10"/>
-          </p:nvPr>
-        </p:nvSpPr>
-        <p:spPr>
-          <a:xfrm>
-            <a:off x="519248" y="1447799"/>
-            <a:ext cx="11151917" cy="1975926"/>
-          </a:xfrm>
-          <a:prstGeom prst="rect">
-            <a:avLst/>
-          </a:prstGeom>
-        </p:spPr>
-        <p:txBody>
-          <a:bodyPr/>
-          <a:lstStyle>
-            <a:lvl1pPr marL="0" indent="0">
-              <a:spcBef>
-                <a:spcPts val="2400"/>
-              </a:spcBef>
-              <a:buNone/>
-              <a:defRPr sz="4000">
-                <a:gradFill>
-                  <a:gsLst>
-                    <a:gs pos="100000">
-                      <a:schemeClr val="tx2"/>
-                    </a:gs>
-                    <a:gs pos="0">
-                      <a:schemeClr val="tx2"/>
-                    </a:gs>
-                  </a:gsLst>
-                  <a:lin ang="5400000" scaled="0"/>
-                </a:gradFill>
-                <a:latin typeface="+mj-lt"/>
-              </a:defRPr>
-            </a:lvl1pPr>
-            <a:lvl2pPr marL="0" indent="0">
-              <a:buNone/>
-              <a:defRPr sz="2000">
-                <a:gradFill>
-                  <a:gsLst>
-                    <a:gs pos="100000">
-                      <a:schemeClr val="bg2"/>
-                    </a:gs>
-                    <a:gs pos="6000">
-                      <a:schemeClr val="bg2"/>
-                    </a:gs>
-                  </a:gsLst>
-                  <a:lin ang="5400000" scaled="0"/>
-                </a:gradFill>
-              </a:defRPr>
-            </a:lvl2pPr>
-            <a:lvl3pPr marL="231775" indent="0">
-              <a:buNone/>
-              <a:defRPr sz="2000">
-                <a:gradFill>
-                  <a:gsLst>
-                    <a:gs pos="100000">
-                      <a:schemeClr val="bg2"/>
-                    </a:gs>
-                    <a:gs pos="6000">
-                      <a:schemeClr val="bg2"/>
-                    </a:gs>
-                  </a:gsLst>
-                  <a:lin ang="5400000" scaled="0"/>
-                </a:gradFill>
-              </a:defRPr>
-            </a:lvl3pPr>
-            <a:lvl4pPr marL="457200" indent="0">
-              <a:buNone/>
-              <a:defRPr sz="2000">
-                <a:gradFill>
-                  <a:gsLst>
-                    <a:gs pos="100000">
-                      <a:schemeClr val="bg2"/>
-                    </a:gs>
-                    <a:gs pos="6000">
-                      <a:schemeClr val="bg2"/>
-                    </a:gs>
-                  </a:gsLst>
-                  <a:lin ang="5400000" scaled="0"/>
-                </a:gradFill>
-              </a:defRPr>
-            </a:lvl4pPr>
-            <a:lvl5pPr marL="693738" indent="0">
-              <a:buNone/>
-              <a:defRPr sz="2000">
-                <a:gradFill>
-                  <a:gsLst>
-                    <a:gs pos="100000">
-                      <a:schemeClr val="bg2"/>
-                    </a:gs>
-                    <a:gs pos="6000">
-                      <a:schemeClr val="bg2"/>
-                    </a:gs>
-                  </a:gsLst>
-                  <a:lin ang="5400000" scaled="0"/>
-                </a:gradFill>
-              </a:defRPr>
-            </a:lvl5pPr>
-          </a:lstStyle>
-          <a:p>
-            <a:pPr lvl="0"/>
-            <a:r>
-              <a:rPr lang="en-US"/>
-              <a:t>Click to edit Master text styles</a:t>
-            </a:r>
-          </a:p>
-          <a:p>
-            <a:pPr lvl="1"/>
-            <a:r>
-              <a:rPr lang="en-US"/>
-              <a:t>Second level</a:t>
-            </a:r>
-          </a:p>
-          <a:p>
-            <a:pPr lvl="2"/>
-            <a:r>
-              <a:rPr lang="en-US"/>
-              <a:t>Third level</a:t>
-            </a:r>
-          </a:p>
-          <a:p>
-            <a:pPr lvl="3"/>
-            <a:r>
-              <a:rPr lang="en-US"/>
-              <a:t>Fourth level</a:t>
-            </a:r>
-          </a:p>
-          <a:p>
-            <a:pPr lvl="4"/>
-            <a:r>
-              <a:rPr lang="en-US"/>
-              <a:t>Fifth level</a:t>
-            </a:r>
-            <a:endParaRPr lang="en-US" dirty="0"/>
-          </a:p>
-        </p:txBody>
-      </p:sp>
-      <p:sp>
-        <p:nvSpPr>
-          <p:cNvPr id="3" name="Title 2"/>
-          <p:cNvSpPr>
-            <a:spLocks noGrp="1"/>
-          </p:cNvSpPr>
-          <p:nvPr>
-            <p:ph type="title"/>
-          </p:nvPr>
-        </p:nvSpPr>
-        <p:spPr/>
-        <p:txBody>
-          <a:bodyPr/>
-          <a:lstStyle>
-            <a:lvl1pPr>
-              <a:defRPr>
-                <a:gradFill>
-                  <a:gsLst>
-                    <a:gs pos="1250">
-                      <a:schemeClr val="tx2"/>
-                    </a:gs>
-                    <a:gs pos="100000">
-                      <a:schemeClr val="tx2"/>
-                    </a:gs>
-                  </a:gsLst>
-                  <a:lin ang="5400000" scaled="0"/>
-                </a:gradFill>
-              </a:defRPr>
-            </a:lvl1pPr>
-          </a:lstStyle>
-          <a:p>
-            <a:r>
-              <a:rPr lang="en-US"/>
-              <a:t>Click to edit Master title style</a:t>
-            </a:r>
-            <a:endParaRPr lang="en-US" dirty="0"/>
-          </a:p>
-        </p:txBody>
-      </p:sp>
-      <p:sp>
-        <p:nvSpPr>
-          <p:cNvPr id="6" name="Slide Number Placeholder 9"/>
-          <p:cNvSpPr>
-            <a:spLocks noGrp="1"/>
-          </p:cNvSpPr>
-          <p:nvPr>
-            <p:ph type="sldNum" sz="quarter" idx="12"/>
-          </p:nvPr>
-        </p:nvSpPr>
-        <p:spPr>
-          <a:xfrm>
-            <a:off x="520836" y="6399557"/>
-            <a:ext cx="560832" cy="219456"/>
-          </a:xfrm>
-          <a:prstGeom prst="rect">
-            <a:avLst/>
-          </a:prstGeom>
-        </p:spPr>
-        <p:txBody>
-          <a:bodyPr lIns="121899" tIns="60949" rIns="121899" bIns="60949" anchor="ctr"/>
-          <a:lstStyle>
-            <a:lvl1pPr algn="l">
-              <a:defRPr sz="1600">
-                <a:gradFill>
-                  <a:gsLst>
-                    <a:gs pos="100000">
-                      <a:schemeClr val="bg2"/>
-                    </a:gs>
-                    <a:gs pos="0">
-                      <a:schemeClr val="bg2"/>
-                    </a:gs>
-                  </a:gsLst>
-                  <a:lin ang="5400000" scaled="0"/>
-                </a:gradFill>
-              </a:defRPr>
-            </a:lvl1pPr>
-          </a:lstStyle>
-          <a:p>
-            <a:fld id="{445C58B2-07EE-4ABE-902E-9C658CBAE3AD}" type="slidenum">
-              <a:rPr lang="en-US" smtClean="0"/>
-              <a:t>‹#›</a:t>
-            </a:fld>
-            <a:endParaRPr lang="en-US"/>
-          </a:p>
-        </p:txBody>
-      </p:sp>
-    </p:spTree>
-    <p:extLst>
-      <p:ext uri="{BB962C8B-B14F-4D97-AF65-F5344CB8AC3E}">
-        <p14:creationId xmlns:p14="http://schemas.microsoft.com/office/powerpoint/2010/main" val="751031904"/>
-      </p:ext>
-    </p:extLst>
-  </p:cSld>
-  <p:clrMapOvr>
-    <a:masterClrMapping/>
-  </p:clrMapOvr>
-  <p:transition>
-    <p:fade/>
-  </p:transition>
-</p:sldLayout>
-</file>
-
-<file path=ppt/slideLayouts/slideLayout40.xml><?xml version="1.0" encoding="utf-8"?>
+<file path=ppt/slideLayouts/slideLayout41.xml><?xml version="1.0" encoding="utf-8"?>
 <p:sldLayout xmlns:a="http://schemas.openxmlformats.org/drawingml/2006/main" xmlns:r="http://schemas.openxmlformats.org/officeDocument/2006/relationships" xmlns:p="http://schemas.openxmlformats.org/presentationml/2006/main" preserve="1" userDrawn="1">
   <p:cSld name="Two Column Bullet text 1st level color">
     <p:bg>
@@ -7386,7 +8078,7 @@
 </p:sldLayout>
 </file>
 
-<file path=ppt/slideLayouts/slideLayout41.xml><?xml version="1.0" encoding="utf-8"?>
+<file path=ppt/slideLayouts/slideLayout42.xml><?xml version="1.0" encoding="utf-8"?>
 <p:sldLayout xmlns:a="http://schemas.openxmlformats.org/drawingml/2006/main" xmlns:r="http://schemas.openxmlformats.org/officeDocument/2006/relationships" xmlns:p="http://schemas.openxmlformats.org/presentationml/2006/main" preserve="1" userDrawn="1">
   <p:cSld name="1_Two Column Bullet text">
     <p:bg>
@@ -7617,7 +8309,7 @@
 </p:sldLayout>
 </file>
 
-<file path=ppt/slideLayouts/slideLayout42.xml><?xml version="1.0" encoding="utf-8"?>
+<file path=ppt/slideLayouts/slideLayout43.xml><?xml version="1.0" encoding="utf-8"?>
 <p:sldLayout xmlns:a="http://schemas.openxmlformats.org/drawingml/2006/main" xmlns:r="http://schemas.openxmlformats.org/officeDocument/2006/relationships" xmlns:p="http://schemas.openxmlformats.org/presentationml/2006/main" preserve="1" userDrawn="1">
   <p:cSld name="1_Title Only">
     <p:bg>
@@ -7677,7 +8369,7 @@
 </p:sldLayout>
 </file>
 
-<file path=ppt/slideLayouts/slideLayout43.xml><?xml version="1.0" encoding="utf-8"?>
+<file path=ppt/slideLayouts/slideLayout44.xml><?xml version="1.0" encoding="utf-8"?>
 <p:sldLayout xmlns:a="http://schemas.openxmlformats.org/drawingml/2006/main" xmlns:r="http://schemas.openxmlformats.org/officeDocument/2006/relationships" xmlns:p="http://schemas.openxmlformats.org/presentationml/2006/main" preserve="1" userDrawn="1">
   <p:cSld name="Developer Code Layout">
     <p:bg>
@@ -7981,7 +8673,7 @@
 </p:sldLayout>
 </file>
 
-<file path=ppt/slideLayouts/slideLayout44.xml><?xml version="1.0" encoding="utf-8"?>
+<file path=ppt/slideLayouts/slideLayout45.xml><?xml version="1.0" encoding="utf-8"?>
 <p:sldLayout xmlns:a="http://schemas.openxmlformats.org/drawingml/2006/main" xmlns:r="http://schemas.openxmlformats.org/officeDocument/2006/relationships" xmlns:p="http://schemas.openxmlformats.org/presentationml/2006/main" userDrawn="1">
   <p:cSld name="Black Notes slide Layout">
     <p:bg bwMode="black">
@@ -8304,6 +8996,270 @@
 
 <file path=ppt/slideLayouts/slideLayout5.xml><?xml version="1.0" encoding="utf-8"?>
 <p:sldLayout xmlns:a="http://schemas.openxmlformats.org/drawingml/2006/main" xmlns:r="http://schemas.openxmlformats.org/officeDocument/2006/relationships" xmlns:p="http://schemas.openxmlformats.org/presentationml/2006/main" preserve="1">
+  <p:cSld name="Title &amp; Content, 2-color, no Bullets">
+    <p:spTree>
+      <p:nvGrpSpPr>
+        <p:cNvPr id="1" name=""/>
+        <p:cNvGrpSpPr/>
+        <p:nvPr/>
+      </p:nvGrpSpPr>
+      <p:grpSpPr>
+        <a:xfrm>
+          <a:off x="0" y="0"/>
+          <a:ext cx="0" cy="0"/>
+          <a:chOff x="0" y="0"/>
+          <a:chExt cx="0" cy="0"/>
+        </a:xfrm>
+      </p:grpSpPr>
+      <p:sp>
+        <p:nvSpPr>
+          <p:cNvPr id="5" name="Text Placeholder 4"/>
+          <p:cNvSpPr>
+            <a:spLocks noGrp="1"/>
+          </p:cNvSpPr>
+          <p:nvPr>
+            <p:ph type="body" sz="quarter" idx="10"/>
+          </p:nvPr>
+        </p:nvSpPr>
+        <p:spPr>
+          <a:xfrm>
+            <a:off x="519248" y="1447799"/>
+            <a:ext cx="11151917" cy="1975926"/>
+          </a:xfrm>
+          <a:prstGeom prst="rect">
+            <a:avLst/>
+          </a:prstGeom>
+        </p:spPr>
+        <p:txBody>
+          <a:bodyPr/>
+          <a:lstStyle>
+            <a:lvl1pPr marL="0" indent="0">
+              <a:spcBef>
+                <a:spcPts val="2400"/>
+              </a:spcBef>
+              <a:buNone/>
+              <a:defRPr sz="4000">
+                <a:gradFill>
+                  <a:gsLst>
+                    <a:gs pos="100000">
+                      <a:schemeClr val="tx2"/>
+                    </a:gs>
+                    <a:gs pos="0">
+                      <a:schemeClr val="tx2"/>
+                    </a:gs>
+                  </a:gsLst>
+                  <a:lin ang="5400000" scaled="0"/>
+                </a:gradFill>
+                <a:latin typeface="+mj-lt"/>
+              </a:defRPr>
+            </a:lvl1pPr>
+            <a:lvl2pPr marL="0" indent="0">
+              <a:buNone/>
+              <a:defRPr sz="2000">
+                <a:gradFill>
+                  <a:gsLst>
+                    <a:gs pos="100000">
+                      <a:schemeClr val="bg2"/>
+                    </a:gs>
+                    <a:gs pos="6000">
+                      <a:schemeClr val="bg2"/>
+                    </a:gs>
+                  </a:gsLst>
+                  <a:lin ang="5400000" scaled="0"/>
+                </a:gradFill>
+              </a:defRPr>
+            </a:lvl2pPr>
+            <a:lvl3pPr marL="231775" indent="0">
+              <a:buNone/>
+              <a:defRPr sz="2000">
+                <a:gradFill>
+                  <a:gsLst>
+                    <a:gs pos="100000">
+                      <a:schemeClr val="bg2"/>
+                    </a:gs>
+                    <a:gs pos="6000">
+                      <a:schemeClr val="bg2"/>
+                    </a:gs>
+                  </a:gsLst>
+                  <a:lin ang="5400000" scaled="0"/>
+                </a:gradFill>
+              </a:defRPr>
+            </a:lvl3pPr>
+            <a:lvl4pPr marL="457200" indent="0">
+              <a:buNone/>
+              <a:defRPr sz="2000">
+                <a:gradFill>
+                  <a:gsLst>
+                    <a:gs pos="100000">
+                      <a:schemeClr val="bg2"/>
+                    </a:gs>
+                    <a:gs pos="6000">
+                      <a:schemeClr val="bg2"/>
+                    </a:gs>
+                  </a:gsLst>
+                  <a:lin ang="5400000" scaled="0"/>
+                </a:gradFill>
+              </a:defRPr>
+            </a:lvl4pPr>
+            <a:lvl5pPr marL="693738" indent="0">
+              <a:buNone/>
+              <a:defRPr sz="2000">
+                <a:gradFill>
+                  <a:gsLst>
+                    <a:gs pos="100000">
+                      <a:schemeClr val="bg2"/>
+                    </a:gs>
+                    <a:gs pos="6000">
+                      <a:schemeClr val="bg2"/>
+                    </a:gs>
+                  </a:gsLst>
+                  <a:lin ang="5400000" scaled="0"/>
+                </a:gradFill>
+              </a:defRPr>
+            </a:lvl5pPr>
+          </a:lstStyle>
+          <a:p>
+            <a:pPr lvl="0"/>
+            <a:r>
+              <a:rPr lang="en-US"/>
+              <a:t>Click to edit Master text styles</a:t>
+            </a:r>
+          </a:p>
+          <a:p>
+            <a:pPr lvl="1"/>
+            <a:r>
+              <a:rPr lang="en-US"/>
+              <a:t>Second level</a:t>
+            </a:r>
+          </a:p>
+          <a:p>
+            <a:pPr lvl="2"/>
+            <a:r>
+              <a:rPr lang="en-US"/>
+              <a:t>Third level</a:t>
+            </a:r>
+          </a:p>
+          <a:p>
+            <a:pPr lvl="3"/>
+            <a:r>
+              <a:rPr lang="en-US"/>
+              <a:t>Fourth level</a:t>
+            </a:r>
+          </a:p>
+          <a:p>
+            <a:pPr lvl="4"/>
+            <a:r>
+              <a:rPr lang="en-US"/>
+              <a:t>Fifth level</a:t>
+            </a:r>
+            <a:endParaRPr lang="en-US" dirty="0"/>
+          </a:p>
+        </p:txBody>
+      </p:sp>
+      <p:sp>
+        <p:nvSpPr>
+          <p:cNvPr id="3" name="Title 2"/>
+          <p:cNvSpPr>
+            <a:spLocks noGrp="1"/>
+          </p:cNvSpPr>
+          <p:nvPr>
+            <p:ph type="title"/>
+          </p:nvPr>
+        </p:nvSpPr>
+        <p:spPr/>
+        <p:txBody>
+          <a:bodyPr/>
+          <a:lstStyle>
+            <a:lvl1pPr>
+              <a:defRPr>
+                <a:gradFill>
+                  <a:gsLst>
+                    <a:gs pos="1250">
+                      <a:schemeClr val="tx2"/>
+                    </a:gs>
+                    <a:gs pos="100000">
+                      <a:schemeClr val="tx2"/>
+                    </a:gs>
+                  </a:gsLst>
+                  <a:lin ang="5400000" scaled="0"/>
+                </a:gradFill>
+              </a:defRPr>
+            </a:lvl1pPr>
+          </a:lstStyle>
+          <a:p>
+            <a:r>
+              <a:rPr lang="en-US"/>
+              <a:t>Click to edit Master title style</a:t>
+            </a:r>
+            <a:endParaRPr lang="en-US" dirty="0"/>
+          </a:p>
+        </p:txBody>
+      </p:sp>
+      <p:sp>
+        <p:nvSpPr>
+          <p:cNvPr id="6" name="Slide Number Placeholder 9"/>
+          <p:cNvSpPr>
+            <a:spLocks noGrp="1"/>
+          </p:cNvSpPr>
+          <p:nvPr>
+            <p:ph type="sldNum" sz="quarter" idx="12"/>
+          </p:nvPr>
+        </p:nvSpPr>
+        <p:spPr>
+          <a:xfrm>
+            <a:off x="520836" y="6399557"/>
+            <a:ext cx="560832" cy="219456"/>
+          </a:xfrm>
+          <a:prstGeom prst="rect">
+            <a:avLst/>
+          </a:prstGeom>
+        </p:spPr>
+        <p:txBody>
+          <a:bodyPr lIns="121899" tIns="60949" rIns="121899" bIns="60949" anchor="ctr"/>
+          <a:lstStyle>
+            <a:lvl1pPr algn="l">
+              <a:defRPr sz="1600">
+                <a:gradFill>
+                  <a:gsLst>
+                    <a:gs pos="100000">
+                      <a:schemeClr val="bg2"/>
+                    </a:gs>
+                    <a:gs pos="0">
+                      <a:schemeClr val="bg2"/>
+                    </a:gs>
+                  </a:gsLst>
+                  <a:lin ang="5400000" scaled="0"/>
+                </a:gradFill>
+              </a:defRPr>
+            </a:lvl1pPr>
+          </a:lstStyle>
+          <a:p>
+            <a:fld id="{445C58B2-07EE-4ABE-902E-9C658CBAE3AD}" type="slidenum">
+              <a:rPr lang="en-US" smtClean="0"/>
+              <a:t>‹#›</a:t>
+            </a:fld>
+            <a:endParaRPr lang="en-US"/>
+          </a:p>
+        </p:txBody>
+      </p:sp>
+    </p:spTree>
+    <p:extLst>
+      <p:ext uri="{BB962C8B-B14F-4D97-AF65-F5344CB8AC3E}">
+        <p14:creationId xmlns:p14="http://schemas.microsoft.com/office/powerpoint/2010/main" val="751031904"/>
+      </p:ext>
+    </p:extLst>
+  </p:cSld>
+  <p:clrMapOvr>
+    <a:masterClrMapping/>
+  </p:clrMapOvr>
+  <p:transition>
+    <p:fade/>
+  </p:transition>
+</p:sldLayout>
+</file>
+
+<file path=ppt/slideLayouts/slideLayout6.xml><?xml version="1.0" encoding="utf-8"?>
+<p:sldLayout xmlns:a="http://schemas.openxmlformats.org/drawingml/2006/main" xmlns:r="http://schemas.openxmlformats.org/officeDocument/2006/relationships" xmlns:p="http://schemas.openxmlformats.org/presentationml/2006/main" preserve="1">
   <p:cSld name="Title &amp; Content, no Bullets">
     <p:spTree>
       <p:nvGrpSpPr>
@@ -8566,7 +9522,7 @@
 </p:sldLayout>
 </file>
 
-<file path=ppt/slideLayouts/slideLayout6.xml><?xml version="1.0" encoding="utf-8"?>
+<file path=ppt/slideLayouts/slideLayout7.xml><?xml version="1.0" encoding="utf-8"?>
 <p:sldLayout xmlns:a="http://schemas.openxmlformats.org/drawingml/2006/main" xmlns:r="http://schemas.openxmlformats.org/officeDocument/2006/relationships" xmlns:p="http://schemas.openxmlformats.org/presentationml/2006/main" preserve="1">
   <p:cSld name="Title &amp; Content w/Bullets">
     <p:spTree>
@@ -8786,7 +9742,7 @@
 </p:sldLayout>
 </file>
 
-<file path=ppt/slideLayouts/slideLayout7.xml><?xml version="1.0" encoding="utf-8"?>
+<file path=ppt/slideLayouts/slideLayout8.xml><?xml version="1.0" encoding="utf-8"?>
 <p:sldLayout xmlns:a="http://schemas.openxmlformats.org/drawingml/2006/main" xmlns:r="http://schemas.openxmlformats.org/officeDocument/2006/relationships" xmlns:p="http://schemas.openxmlformats.org/presentationml/2006/main" preserve="1">
   <p:cSld name="Title &amp; 2-Content, 2-color, no Bullets">
     <p:spTree>
@@ -9282,7 +10238,7 @@
 </p:sldLayout>
 </file>
 
-<file path=ppt/slideLayouts/slideLayout8.xml><?xml version="1.0" encoding="utf-8"?>
+<file path=ppt/slideLayouts/slideLayout9.xml><?xml version="1.0" encoding="utf-8"?>
 <p:sldLayout xmlns:a="http://schemas.openxmlformats.org/drawingml/2006/main" xmlns:r="http://schemas.openxmlformats.org/officeDocument/2006/relationships" xmlns:p="http://schemas.openxmlformats.org/presentationml/2006/main" preserve="1">
   <p:cSld name="Title &amp; 2-Content, no Bullets">
     <p:spTree>
@@ -9814,469 +10770,6 @@
     <p:extLst>
       <p:ext uri="{BB962C8B-B14F-4D97-AF65-F5344CB8AC3E}">
         <p14:creationId xmlns:p14="http://schemas.microsoft.com/office/powerpoint/2010/main" val="2046993716"/>
-      </p:ext>
-    </p:extLst>
-  </p:cSld>
-  <p:clrMapOvr>
-    <a:masterClrMapping/>
-  </p:clrMapOvr>
-  <p:transition>
-    <p:fade/>
-  </p:transition>
-</p:sldLayout>
-</file>
-
-<file path=ppt/slideLayouts/slideLayout9.xml><?xml version="1.0" encoding="utf-8"?>
-<p:sldLayout xmlns:a="http://schemas.openxmlformats.org/drawingml/2006/main" xmlns:r="http://schemas.openxmlformats.org/officeDocument/2006/relationships" xmlns:p="http://schemas.openxmlformats.org/presentationml/2006/main" preserve="1">
-  <p:cSld name="Title &amp; 2-Content w/Bullets">
-    <p:spTree>
-      <p:nvGrpSpPr>
-        <p:cNvPr id="1" name=""/>
-        <p:cNvGrpSpPr/>
-        <p:nvPr/>
-      </p:nvGrpSpPr>
-      <p:grpSpPr>
-        <a:xfrm>
-          <a:off x="0" y="0"/>
-          <a:ext cx="0" cy="0"/>
-          <a:chOff x="0" y="0"/>
-          <a:chExt cx="0" cy="0"/>
-        </a:xfrm>
-      </p:grpSpPr>
-      <p:sp>
-        <p:nvSpPr>
-          <p:cNvPr id="2" name="Title 1"/>
-          <p:cNvSpPr>
-            <a:spLocks noGrp="1"/>
-          </p:cNvSpPr>
-          <p:nvPr>
-            <p:ph type="title"/>
-          </p:nvPr>
-        </p:nvSpPr>
-        <p:spPr/>
-        <p:txBody>
-          <a:bodyPr/>
-          <a:lstStyle>
-            <a:lvl1pPr>
-              <a:defRPr>
-                <a:gradFill>
-                  <a:gsLst>
-                    <a:gs pos="1250">
-                      <a:schemeClr val="tx2"/>
-                    </a:gs>
-                    <a:gs pos="100000">
-                      <a:schemeClr val="tx2"/>
-                    </a:gs>
-                  </a:gsLst>
-                  <a:lin ang="5400000" scaled="0"/>
-                </a:gradFill>
-              </a:defRPr>
-            </a:lvl1pPr>
-          </a:lstStyle>
-          <a:p>
-            <a:r>
-              <a:rPr lang="en-US"/>
-              <a:t>Click to edit Master title style</a:t>
-            </a:r>
-            <a:endParaRPr lang="en-US" dirty="0"/>
-          </a:p>
-        </p:txBody>
-      </p:sp>
-      <p:sp>
-        <p:nvSpPr>
-          <p:cNvPr id="4" name="Text Placeholder 3"/>
-          <p:cNvSpPr>
-            <a:spLocks noGrp="1"/>
-          </p:cNvSpPr>
-          <p:nvPr>
-            <p:ph type="body" sz="quarter" idx="10"/>
-          </p:nvPr>
-        </p:nvSpPr>
-        <p:spPr>
-          <a:xfrm>
-            <a:off x="520836" y="1447801"/>
-            <a:ext cx="5396365" cy="2351413"/>
-          </a:xfrm>
-        </p:spPr>
-        <p:txBody>
-          <a:bodyPr>
-            <a:spAutoFit/>
-          </a:bodyPr>
-          <a:lstStyle>
-            <a:lvl1pPr marL="292100" indent="-292100">
-              <a:spcBef>
-                <a:spcPts val="1200"/>
-              </a:spcBef>
-              <a:buClr>
-                <a:schemeClr val="bg2"/>
-              </a:buClr>
-              <a:buSzPct val="100000"/>
-              <a:buFont typeface="Wingdings" pitchFamily="2" charset="2"/>
-              <a:buChar char=""/>
-              <a:defRPr lang="en-US" sz="3600" kern="1200" spc="-70" baseline="0" dirty="0" smtClean="0">
-                <a:gradFill>
-                  <a:gsLst>
-                    <a:gs pos="1250">
-                      <a:schemeClr val="bg2"/>
-                    </a:gs>
-                    <a:gs pos="100000">
-                      <a:schemeClr val="bg2"/>
-                    </a:gs>
-                  </a:gsLst>
-                  <a:lin ang="5400000" scaled="0"/>
-                </a:gradFill>
-                <a:latin typeface="+mj-lt"/>
-                <a:ea typeface="+mn-ea"/>
-                <a:cs typeface="+mn-cs"/>
-              </a:defRPr>
-            </a:lvl1pPr>
-            <a:lvl2pPr marL="520700" indent="-228600">
-              <a:defRPr sz="2000"/>
-            </a:lvl2pPr>
-            <a:lvl3pPr marL="685800" indent="-165100">
-              <a:tabLst/>
-              <a:defRPr sz="2000"/>
-            </a:lvl3pPr>
-            <a:lvl4pPr marL="863600" indent="-177800">
-              <a:defRPr/>
-            </a:lvl4pPr>
-            <a:lvl5pPr marL="1028700" indent="-165100">
-              <a:tabLst/>
-              <a:defRPr/>
-            </a:lvl5pPr>
-          </a:lstStyle>
-          <a:p>
-            <a:pPr lvl="0"/>
-            <a:r>
-              <a:rPr lang="en-US"/>
-              <a:t>Click to edit Master text styles</a:t>
-            </a:r>
-          </a:p>
-          <a:p>
-            <a:pPr lvl="1"/>
-            <a:r>
-              <a:rPr lang="en-US"/>
-              <a:t>Second level</a:t>
-            </a:r>
-          </a:p>
-          <a:p>
-            <a:pPr lvl="2"/>
-            <a:r>
-              <a:rPr lang="en-US"/>
-              <a:t>Third level</a:t>
-            </a:r>
-          </a:p>
-          <a:p>
-            <a:pPr lvl="3"/>
-            <a:r>
-              <a:rPr lang="en-US"/>
-              <a:t>Fourth level</a:t>
-            </a:r>
-          </a:p>
-          <a:p>
-            <a:pPr lvl="4"/>
-            <a:r>
-              <a:rPr lang="en-US"/>
-              <a:t>Fifth level</a:t>
-            </a:r>
-            <a:endParaRPr lang="en-US" dirty="0"/>
-          </a:p>
-        </p:txBody>
-      </p:sp>
-      <p:sp>
-        <p:nvSpPr>
-          <p:cNvPr id="7" name="Text Placeholder 6"/>
-          <p:cNvSpPr>
-            <a:spLocks noGrp="1"/>
-          </p:cNvSpPr>
-          <p:nvPr>
-            <p:ph type="body" sz="quarter" idx="11"/>
-          </p:nvPr>
-        </p:nvSpPr>
-        <p:spPr>
-          <a:xfrm>
-            <a:off x="6279563" y="1447801"/>
-            <a:ext cx="5396365" cy="2720745"/>
-          </a:xfrm>
-        </p:spPr>
-        <p:txBody>
-          <a:bodyPr>
-            <a:spAutoFit/>
-          </a:bodyPr>
-          <a:lstStyle>
-            <a:lvl1pPr marL="339725" indent="-339725">
-              <a:spcBef>
-                <a:spcPts val="1200"/>
-              </a:spcBef>
-              <a:buClr>
-                <a:schemeClr val="bg2"/>
-              </a:buClr>
-              <a:buFont typeface="Arial" pitchFamily="34" charset="0"/>
-              <a:buChar char="•"/>
-              <a:defRPr lang="en-US" sz="3600" kern="1200" spc="-70" baseline="0" dirty="0" smtClean="0">
-                <a:gradFill>
-                  <a:gsLst>
-                    <a:gs pos="1250">
-                      <a:schemeClr val="bg2"/>
-                    </a:gs>
-                    <a:gs pos="100000">
-                      <a:schemeClr val="bg2"/>
-                    </a:gs>
-                  </a:gsLst>
-                  <a:lin ang="5400000" scaled="0"/>
-                </a:gradFill>
-                <a:latin typeface="+mj-lt"/>
-                <a:ea typeface="+mn-ea"/>
-                <a:cs typeface="+mn-cs"/>
-              </a:defRPr>
-            </a:lvl1pPr>
-            <a:lvl2pPr marL="635000" indent="-342900">
-              <a:defRPr lang="en-US" sz="2000" kern="1200" spc="0" baseline="0" dirty="0" smtClean="0">
-                <a:gradFill>
-                  <a:gsLst>
-                    <a:gs pos="1250">
-                      <a:schemeClr val="bg2"/>
-                    </a:gs>
-                    <a:gs pos="100000">
-                      <a:schemeClr val="bg2"/>
-                    </a:gs>
-                  </a:gsLst>
-                  <a:lin ang="5400000" scaled="0"/>
-                </a:gradFill>
-                <a:latin typeface="+mn-lt"/>
-                <a:ea typeface="+mn-ea"/>
-                <a:cs typeface="+mn-cs"/>
-              </a:defRPr>
-            </a:lvl2pPr>
-            <a:lvl3pPr marL="863600" indent="-342900">
-              <a:defRPr lang="en-US" sz="2000" kern="1200" spc="0" baseline="0" dirty="0" smtClean="0">
-                <a:gradFill>
-                  <a:gsLst>
-                    <a:gs pos="1250">
-                      <a:schemeClr val="bg2"/>
-                    </a:gs>
-                    <a:gs pos="100000">
-                      <a:schemeClr val="bg2"/>
-                    </a:gs>
-                  </a:gsLst>
-                  <a:lin ang="5400000" scaled="0"/>
-                </a:gradFill>
-                <a:latin typeface="+mn-lt"/>
-                <a:ea typeface="+mn-ea"/>
-                <a:cs typeface="+mn-cs"/>
-              </a:defRPr>
-            </a:lvl3pPr>
-            <a:lvl4pPr marL="1028700" indent="-342900">
-              <a:defRPr lang="en-US" sz="2000" kern="1200" spc="0" baseline="0" dirty="0" smtClean="0">
-                <a:gradFill>
-                  <a:gsLst>
-                    <a:gs pos="1250">
-                      <a:schemeClr val="bg2"/>
-                    </a:gs>
-                    <a:gs pos="100000">
-                      <a:schemeClr val="bg2"/>
-                    </a:gs>
-                  </a:gsLst>
-                  <a:lin ang="5400000" scaled="0"/>
-                </a:gradFill>
-                <a:latin typeface="+mn-lt"/>
-                <a:ea typeface="+mn-ea"/>
-                <a:cs typeface="+mn-cs"/>
-              </a:defRPr>
-            </a:lvl4pPr>
-            <a:lvl5pPr marL="1206500" indent="-342900">
-              <a:defRPr lang="en-US" sz="2000" kern="1200" spc="0" baseline="0" dirty="0">
-                <a:gradFill>
-                  <a:gsLst>
-                    <a:gs pos="1250">
-                      <a:schemeClr val="bg2"/>
-                    </a:gs>
-                    <a:gs pos="100000">
-                      <a:schemeClr val="bg2"/>
-                    </a:gs>
-                  </a:gsLst>
-                  <a:lin ang="5400000" scaled="0"/>
-                </a:gradFill>
-                <a:latin typeface="+mn-lt"/>
-                <a:ea typeface="+mn-ea"/>
-                <a:cs typeface="+mn-cs"/>
-              </a:defRPr>
-            </a:lvl5pPr>
-          </a:lstStyle>
-          <a:p>
-            <a:pPr marL="292100" marR="0" lvl="0" indent="-292100" algn="l" defTabSz="914363" rtl="0" eaLnBrk="1" fontAlgn="auto" latinLnBrk="0" hangingPunct="1">
-              <a:lnSpc>
-                <a:spcPct val="90000"/>
-              </a:lnSpc>
-              <a:spcBef>
-                <a:spcPts val="1200"/>
-              </a:spcBef>
-              <a:spcAft>
-                <a:spcPts val="0"/>
-              </a:spcAft>
-              <a:buClr>
-                <a:schemeClr val="bg2"/>
-              </a:buClr>
-              <a:buSzPct val="100000"/>
-              <a:buFont typeface="Wingdings" pitchFamily="2" charset="2"/>
-              <a:buChar char=""/>
-              <a:tabLst/>
-            </a:pPr>
-            <a:r>
-              <a:rPr lang="en-US"/>
-              <a:t>Click to edit Master text styles</a:t>
-            </a:r>
-          </a:p>
-          <a:p>
-            <a:pPr marL="292100" marR="0" lvl="1" indent="-292100" algn="l" defTabSz="914363" rtl="0" eaLnBrk="1" fontAlgn="auto" latinLnBrk="0" hangingPunct="1">
-              <a:lnSpc>
-                <a:spcPct val="90000"/>
-              </a:lnSpc>
-              <a:spcBef>
-                <a:spcPts val="1200"/>
-              </a:spcBef>
-              <a:spcAft>
-                <a:spcPts val="0"/>
-              </a:spcAft>
-              <a:buClr>
-                <a:schemeClr val="bg2"/>
-              </a:buClr>
-              <a:buSzPct val="100000"/>
-              <a:buFont typeface="Wingdings" pitchFamily="2" charset="2"/>
-              <a:buChar char=""/>
-              <a:tabLst/>
-            </a:pPr>
-            <a:r>
-              <a:rPr lang="en-US"/>
-              <a:t>Second level</a:t>
-            </a:r>
-          </a:p>
-          <a:p>
-            <a:pPr marL="292100" marR="0" lvl="2" indent="-292100" algn="l" defTabSz="914363" rtl="0" eaLnBrk="1" fontAlgn="auto" latinLnBrk="0" hangingPunct="1">
-              <a:lnSpc>
-                <a:spcPct val="90000"/>
-              </a:lnSpc>
-              <a:spcBef>
-                <a:spcPts val="1200"/>
-              </a:spcBef>
-              <a:spcAft>
-                <a:spcPts val="0"/>
-              </a:spcAft>
-              <a:buClr>
-                <a:schemeClr val="bg2"/>
-              </a:buClr>
-              <a:buSzPct val="100000"/>
-              <a:buFont typeface="Wingdings" pitchFamily="2" charset="2"/>
-              <a:buChar char=""/>
-              <a:tabLst/>
-            </a:pPr>
-            <a:r>
-              <a:rPr lang="en-US"/>
-              <a:t>Third level</a:t>
-            </a:r>
-          </a:p>
-          <a:p>
-            <a:pPr marL="292100" marR="0" lvl="3" indent="-292100" algn="l" defTabSz="914363" rtl="0" eaLnBrk="1" fontAlgn="auto" latinLnBrk="0" hangingPunct="1">
-              <a:lnSpc>
-                <a:spcPct val="90000"/>
-              </a:lnSpc>
-              <a:spcBef>
-                <a:spcPts val="1200"/>
-              </a:spcBef>
-              <a:spcAft>
-                <a:spcPts val="0"/>
-              </a:spcAft>
-              <a:buClr>
-                <a:schemeClr val="bg2"/>
-              </a:buClr>
-              <a:buSzPct val="100000"/>
-              <a:buFont typeface="Wingdings" pitchFamily="2" charset="2"/>
-              <a:buChar char=""/>
-              <a:tabLst/>
-            </a:pPr>
-            <a:r>
-              <a:rPr lang="en-US"/>
-              <a:t>Fourth level</a:t>
-            </a:r>
-          </a:p>
-          <a:p>
-            <a:pPr marL="292100" marR="0" lvl="4" indent="-292100" algn="l" defTabSz="914363" rtl="0" eaLnBrk="1" fontAlgn="auto" latinLnBrk="0" hangingPunct="1">
-              <a:lnSpc>
-                <a:spcPct val="90000"/>
-              </a:lnSpc>
-              <a:spcBef>
-                <a:spcPts val="1200"/>
-              </a:spcBef>
-              <a:spcAft>
-                <a:spcPts val="0"/>
-              </a:spcAft>
-              <a:buClr>
-                <a:schemeClr val="bg2"/>
-              </a:buClr>
-              <a:buSzPct val="100000"/>
-              <a:buFont typeface="Wingdings" pitchFamily="2" charset="2"/>
-              <a:buChar char=""/>
-              <a:tabLst/>
-            </a:pPr>
-            <a:r>
-              <a:rPr lang="en-US"/>
-              <a:t>Fifth level</a:t>
-            </a:r>
-            <a:endParaRPr lang="en-US" dirty="0"/>
-          </a:p>
-        </p:txBody>
-      </p:sp>
-      <p:sp>
-        <p:nvSpPr>
-          <p:cNvPr id="6" name="Slide Number Placeholder 9"/>
-          <p:cNvSpPr>
-            <a:spLocks noGrp="1"/>
-          </p:cNvSpPr>
-          <p:nvPr>
-            <p:ph type="sldNum" sz="quarter" idx="12"/>
-          </p:nvPr>
-        </p:nvSpPr>
-        <p:spPr>
-          <a:xfrm>
-            <a:off x="520836" y="6399557"/>
-            <a:ext cx="560832" cy="219456"/>
-          </a:xfrm>
-          <a:prstGeom prst="rect">
-            <a:avLst/>
-          </a:prstGeom>
-        </p:spPr>
-        <p:txBody>
-          <a:bodyPr lIns="121899" tIns="60949" rIns="121899" bIns="60949" anchor="ctr"/>
-          <a:lstStyle>
-            <a:lvl1pPr algn="l">
-              <a:defRPr sz="1600">
-                <a:gradFill>
-                  <a:gsLst>
-                    <a:gs pos="100000">
-                      <a:schemeClr val="bg2"/>
-                    </a:gs>
-                    <a:gs pos="0">
-                      <a:schemeClr val="bg2"/>
-                    </a:gs>
-                  </a:gsLst>
-                  <a:lin ang="5400000" scaled="0"/>
-                </a:gradFill>
-              </a:defRPr>
-            </a:lvl1pPr>
-          </a:lstStyle>
-          <a:p>
-            <a:fld id="{445C58B2-07EE-4ABE-902E-9C658CBAE3AD}" type="slidenum">
-              <a:rPr lang="en-US" smtClean="0"/>
-              <a:t>‹#›</a:t>
-            </a:fld>
-            <a:endParaRPr lang="en-US"/>
-          </a:p>
-        </p:txBody>
-      </p:sp>
-    </p:spTree>
-    <p:extLst>
-      <p:ext uri="{BB962C8B-B14F-4D97-AF65-F5344CB8AC3E}">
-        <p14:creationId xmlns:p14="http://schemas.microsoft.com/office/powerpoint/2010/main" val="3803532993"/>
       </p:ext>
     </p:extLst>
   </p:cSld>
@@ -10417,26 +10910,27 @@
   <p:sldLayoutIdLst>
     <p:sldLayoutId id="2147483662" r:id="rId1"/>
     <p:sldLayoutId id="2147483663" r:id="rId2"/>
-    <p:sldLayoutId id="2147483664" r:id="rId3"/>
-    <p:sldLayoutId id="2147483665" r:id="rId4"/>
-    <p:sldLayoutId id="2147483666" r:id="rId5"/>
-    <p:sldLayoutId id="2147483667" r:id="rId6"/>
-    <p:sldLayoutId id="2147483668" r:id="rId7"/>
-    <p:sldLayoutId id="2147483669" r:id="rId8"/>
-    <p:sldLayoutId id="2147483670" r:id="rId9"/>
-    <p:sldLayoutId id="2147483671" r:id="rId10"/>
-    <p:sldLayoutId id="2147483672" r:id="rId11"/>
-    <p:sldLayoutId id="2147483673" r:id="rId12"/>
-    <p:sldLayoutId id="2147483674" r:id="rId13"/>
-    <p:sldLayoutId id="2147483675" r:id="rId14"/>
-    <p:sldLayoutId id="2147483676" r:id="rId15"/>
-    <p:sldLayoutId id="2147483677" r:id="rId16"/>
-    <p:sldLayoutId id="2147483678" r:id="rId17"/>
-    <p:sldLayoutId id="2147483679" r:id="rId18"/>
-    <p:sldLayoutId id="2147483680" r:id="rId19"/>
-    <p:sldLayoutId id="2147483681" r:id="rId20"/>
-    <p:sldLayoutId id="2147483682" r:id="rId21"/>
-    <p:sldLayoutId id="2147483683" r:id="rId22"/>
+    <p:sldLayoutId id="2147483729" r:id="rId3"/>
+    <p:sldLayoutId id="2147483664" r:id="rId4"/>
+    <p:sldLayoutId id="2147483665" r:id="rId5"/>
+    <p:sldLayoutId id="2147483666" r:id="rId6"/>
+    <p:sldLayoutId id="2147483667" r:id="rId7"/>
+    <p:sldLayoutId id="2147483668" r:id="rId8"/>
+    <p:sldLayoutId id="2147483669" r:id="rId9"/>
+    <p:sldLayoutId id="2147483670" r:id="rId10"/>
+    <p:sldLayoutId id="2147483671" r:id="rId11"/>
+    <p:sldLayoutId id="2147483672" r:id="rId12"/>
+    <p:sldLayoutId id="2147483673" r:id="rId13"/>
+    <p:sldLayoutId id="2147483674" r:id="rId14"/>
+    <p:sldLayoutId id="2147483675" r:id="rId15"/>
+    <p:sldLayoutId id="2147483676" r:id="rId16"/>
+    <p:sldLayoutId id="2147483677" r:id="rId17"/>
+    <p:sldLayoutId id="2147483678" r:id="rId18"/>
+    <p:sldLayoutId id="2147483679" r:id="rId19"/>
+    <p:sldLayoutId id="2147483680" r:id="rId20"/>
+    <p:sldLayoutId id="2147483681" r:id="rId21"/>
+    <p:sldLayoutId id="2147483682" r:id="rId22"/>
+    <p:sldLayoutId id="2147483683" r:id="rId23"/>
   </p:sldLayoutIdLst>
   <p:transition>
     <p:fade/>
@@ -12005,7 +12499,251 @@
           <a:p>
             <a:r>
               <a:rPr lang="en-US" dirty="0"/>
-              <a:t>Sponsors</a:t>
+              <a:t>Global Sponsors</a:t>
+            </a:r>
+          </a:p>
+        </p:txBody>
+      </p:sp>
+      <p:pic>
+        <p:nvPicPr>
+          <p:cNvPr id="7" name="Picture 6"/>
+          <p:cNvPicPr>
+            <a:picLocks noChangeAspect="1"/>
+          </p:cNvPicPr>
+          <p:nvPr/>
+        </p:nvPicPr>
+        <p:blipFill>
+          <a:blip r:embed="rId2">
+            <a:extLst>
+              <a:ext uri="{28A0092B-C50C-407E-A947-70E740481C1C}">
+                <a14:useLocalDpi xmlns:a14="http://schemas.microsoft.com/office/drawing/2010/main" val="0"/>
+              </a:ext>
+            </a:extLst>
+          </a:blip>
+          <a:stretch>
+            <a:fillRect/>
+          </a:stretch>
+        </p:blipFill>
+        <p:spPr>
+          <a:xfrm>
+            <a:off x="5312122" y="1025745"/>
+            <a:ext cx="3348207" cy="1073143"/>
+          </a:xfrm>
+          <a:prstGeom prst="rect">
+            <a:avLst/>
+          </a:prstGeom>
+        </p:spPr>
+      </p:pic>
+      <p:pic>
+        <p:nvPicPr>
+          <p:cNvPr id="9" name="Picture 8"/>
+          <p:cNvPicPr>
+            <a:picLocks noChangeAspect="1"/>
+          </p:cNvPicPr>
+          <p:nvPr/>
+        </p:nvPicPr>
+        <p:blipFill rotWithShape="1">
+          <a:blip r:embed="rId3">
+            <a:extLst>
+              <a:ext uri="{28A0092B-C50C-407E-A947-70E740481C1C}">
+                <a14:useLocalDpi xmlns:a14="http://schemas.microsoft.com/office/drawing/2010/main" val="0"/>
+              </a:ext>
+            </a:extLst>
+          </a:blip>
+          <a:srcRect t="20761" b="22015"/>
+          <a:stretch/>
+        </p:blipFill>
+        <p:spPr>
+          <a:xfrm>
+            <a:off x="8907657" y="1317811"/>
+            <a:ext cx="2969428" cy="1699211"/>
+          </a:xfrm>
+          <a:prstGeom prst="rect">
+            <a:avLst/>
+          </a:prstGeom>
+        </p:spPr>
+      </p:pic>
+      <p:pic>
+        <p:nvPicPr>
+          <p:cNvPr id="12" name="Picture 11"/>
+          <p:cNvPicPr>
+            <a:picLocks noChangeAspect="1"/>
+          </p:cNvPicPr>
+          <p:nvPr/>
+        </p:nvPicPr>
+        <p:blipFill>
+          <a:blip r:embed="rId4" cstate="print">
+            <a:extLst>
+              <a:ext uri="{28A0092B-C50C-407E-A947-70E740481C1C}">
+                <a14:useLocalDpi xmlns:a14="http://schemas.microsoft.com/office/drawing/2010/main" val="0"/>
+              </a:ext>
+            </a:extLst>
+          </a:blip>
+          <a:stretch>
+            <a:fillRect/>
+          </a:stretch>
+        </p:blipFill>
+        <p:spPr>
+          <a:xfrm>
+            <a:off x="1035420" y="3386093"/>
+            <a:ext cx="4646158" cy="952825"/>
+          </a:xfrm>
+          <a:prstGeom prst="rect">
+            <a:avLst/>
+          </a:prstGeom>
+        </p:spPr>
+      </p:pic>
+      <p:pic>
+        <p:nvPicPr>
+          <p:cNvPr id="13" name="Picture 12"/>
+          <p:cNvPicPr>
+            <a:picLocks noChangeAspect="1"/>
+          </p:cNvPicPr>
+          <p:nvPr/>
+        </p:nvPicPr>
+        <p:blipFill>
+          <a:blip r:embed="rId5" cstate="print">
+            <a:extLst>
+              <a:ext uri="{28A0092B-C50C-407E-A947-70E740481C1C}">
+                <a14:useLocalDpi xmlns:a14="http://schemas.microsoft.com/office/drawing/2010/main" val="0"/>
+              </a:ext>
+            </a:extLst>
+          </a:blip>
+          <a:stretch>
+            <a:fillRect/>
+          </a:stretch>
+        </p:blipFill>
+        <p:spPr>
+          <a:xfrm>
+            <a:off x="870415" y="1559200"/>
+            <a:ext cx="3600434" cy="1003217"/>
+          </a:xfrm>
+          <a:prstGeom prst="rect">
+            <a:avLst/>
+          </a:prstGeom>
+        </p:spPr>
+      </p:pic>
+      <p:pic>
+        <p:nvPicPr>
+          <p:cNvPr id="14" name="Picture 13" descr="C:\Users\Mike\AppData\Local\Microsoft\Windows\INetCache\Content.Word\SentryOne-logo-300px.png">
+            <a:extLst/>
+          </p:cNvPr>
+          <p:cNvPicPr/>
+          <p:nvPr/>
+        </p:nvPicPr>
+        <p:blipFill>
+          <a:blip r:embed="rId6">
+            <a:extLst>
+              <a:ext uri="{28A0092B-C50C-407E-A947-70E740481C1C}">
+                <a14:useLocalDpi xmlns:a14="http://schemas.microsoft.com/office/drawing/2010/main" val="0"/>
+              </a:ext>
+            </a:extLst>
+          </a:blip>
+          <a:srcRect/>
+          <a:stretch>
+            <a:fillRect/>
+          </a:stretch>
+        </p:blipFill>
+        <p:spPr bwMode="auto">
+          <a:xfrm>
+            <a:off x="2276711" y="5155061"/>
+            <a:ext cx="3964940" cy="688340"/>
+          </a:xfrm>
+          <a:prstGeom prst="rect">
+            <a:avLst/>
+          </a:prstGeom>
+          <a:noFill/>
+          <a:ln>
+            <a:noFill/>
+          </a:ln>
+        </p:spPr>
+      </p:pic>
+      <p:pic>
+        <p:nvPicPr>
+          <p:cNvPr id="15" name="Picture 14" descr="https://global.azurebootcamp.net/wp-content/uploads/2013/04/microsoft-dx-300x292.png">
+            <a:extLst/>
+          </p:cNvPr>
+          <p:cNvPicPr/>
+          <p:nvPr/>
+        </p:nvPicPr>
+        <p:blipFill>
+          <a:blip r:embed="rId7" cstate="print">
+            <a:extLst>
+              <a:ext uri="{28A0092B-C50C-407E-A947-70E740481C1C}">
+                <a14:useLocalDpi xmlns:a14="http://schemas.microsoft.com/office/drawing/2010/main" val="0"/>
+              </a:ext>
+            </a:extLst>
+          </a:blip>
+          <a:srcRect/>
+          <a:stretch>
+            <a:fillRect/>
+          </a:stretch>
+        </p:blipFill>
+        <p:spPr bwMode="auto">
+          <a:xfrm>
+            <a:off x="7660822" y="3420669"/>
+            <a:ext cx="2420470" cy="2196354"/>
+          </a:xfrm>
+          <a:prstGeom prst="rect">
+            <a:avLst/>
+          </a:prstGeom>
+          <a:noFill/>
+          <a:ln>
+            <a:noFill/>
+          </a:ln>
+        </p:spPr>
+      </p:pic>
+    </p:spTree>
+    <p:extLst>
+      <p:ext uri="{BB962C8B-B14F-4D97-AF65-F5344CB8AC3E}">
+        <p14:creationId xmlns:p14="http://schemas.microsoft.com/office/powerpoint/2010/main" val="2003750557"/>
+      </p:ext>
+    </p:extLst>
+  </p:cSld>
+  <p:clrMapOvr>
+    <a:masterClrMapping/>
+  </p:clrMapOvr>
+  <p:transition>
+    <p:fade/>
+  </p:transition>
+</p:sld>
+</file>
+
+<file path=ppt/slides/slide3.xml><?xml version="1.0" encoding="utf-8"?>
+<p:sld xmlns:a="http://schemas.openxmlformats.org/drawingml/2006/main" xmlns:r="http://schemas.openxmlformats.org/officeDocument/2006/relationships" xmlns:p="http://schemas.openxmlformats.org/presentationml/2006/main">
+  <p:cSld>
+    <p:spTree>
+      <p:nvGrpSpPr>
+        <p:cNvPr id="1" name=""/>
+        <p:cNvGrpSpPr/>
+        <p:nvPr/>
+      </p:nvGrpSpPr>
+      <p:grpSpPr>
+        <a:xfrm>
+          <a:off x="0" y="0"/>
+          <a:ext cx="0" cy="0"/>
+          <a:chOff x="0" y="0"/>
+          <a:chExt cx="0" cy="0"/>
+        </a:xfrm>
+      </p:grpSpPr>
+      <p:sp>
+        <p:nvSpPr>
+          <p:cNvPr id="11" name="Title 10"/>
+          <p:cNvSpPr>
+            <a:spLocks noGrp="1"/>
+          </p:cNvSpPr>
+          <p:nvPr>
+            <p:ph type="title"/>
+          </p:nvPr>
+        </p:nvSpPr>
+        <p:spPr/>
+        <p:txBody>
+          <a:bodyPr/>
+          <a:lstStyle/>
+          <a:p>
+            <a:r>
+              <a:rPr lang="en-US" dirty="0"/>
+              <a:t>Local Sponsors</a:t>
             </a:r>
           </a:p>
         </p:txBody>
@@ -12115,7 +12853,7 @@
 </p:sld>
 </file>
 
-<file path=ppt/slides/slide3.xml><?xml version="1.0" encoding="utf-8"?>
+<file path=ppt/slides/slide4.xml><?xml version="1.0" encoding="utf-8"?>
 <p:sld xmlns:a="http://schemas.openxmlformats.org/drawingml/2006/main" xmlns:r="http://schemas.openxmlformats.org/officeDocument/2006/relationships" xmlns:p="http://schemas.openxmlformats.org/presentationml/2006/main">
   <p:cSld>
     <p:spTree>
@@ -12189,7 +12927,7 @@
 </p:sld>
 </file>
 
-<file path=ppt/slides/slide4.xml><?xml version="1.0" encoding="utf-8"?>
+<file path=ppt/slides/slide5.xml><?xml version="1.0" encoding="utf-8"?>
 <p:sld xmlns:a="http://schemas.openxmlformats.org/drawingml/2006/main" xmlns:r="http://schemas.openxmlformats.org/officeDocument/2006/relationships" xmlns:p="http://schemas.openxmlformats.org/presentationml/2006/main">
   <p:cSld>
     <p:bg>
@@ -13251,12 +13989,9 @@
 </file>
 
 <file path=customXml/item1.xml><?xml version="1.0" encoding="utf-8"?>
-<?mso-contentType ?>
-<FormTemplates xmlns="http://schemas.microsoft.com/sharepoint/v3/contenttype/forms">
-  <Display>DocumentLibraryForm</Display>
-  <Edit>DocumentLibraryForm</Edit>
-  <New>DocumentLibraryForm</New>
-</FormTemplates>
+<p:properties xmlns:p="http://schemas.microsoft.com/office/2006/metadata/properties" xmlns:xsi="http://www.w3.org/2001/XMLSchema-instance" xmlns:pc="http://schemas.microsoft.com/office/infopath/2007/PartnerControls">
+  <documentManagement/>
+</p:properties>
 </file>
 
 <file path=customXml/item2.xml><?xml version="1.0" encoding="utf-8"?>
@@ -13408,15 +14143,26 @@
 </file>
 
 <file path=customXml/item3.xml><?xml version="1.0" encoding="utf-8"?>
-<p:properties xmlns:p="http://schemas.microsoft.com/office/2006/metadata/properties" xmlns:xsi="http://www.w3.org/2001/XMLSchema-instance" xmlns:pc="http://schemas.microsoft.com/office/infopath/2007/PartnerControls">
-  <documentManagement/>
-</p:properties>
+<?mso-contentType ?>
+<FormTemplates xmlns="http://schemas.microsoft.com/sharepoint/v3/contenttype/forms">
+  <Display>DocumentLibraryForm</Display>
+  <Edit>DocumentLibraryForm</Edit>
+  <New>DocumentLibraryForm</New>
+</FormTemplates>
 </file>
 
 <file path=customXml/itemProps1.xml><?xml version="1.0" encoding="utf-8"?>
-<ds:datastoreItem xmlns:ds="http://schemas.openxmlformats.org/officeDocument/2006/customXml" ds:itemID="{D1370E5A-76CE-437B-B6DB-0448A2AEACB2}">
+<ds:datastoreItem xmlns:ds="http://schemas.openxmlformats.org/officeDocument/2006/customXml" ds:itemID="{C1D94387-9BE2-4DD8-A5ED-1CF9C50B3FA6}">
   <ds:schemaRefs>
-    <ds:schemaRef ds:uri="http://schemas.microsoft.com/sharepoint/v3/contenttype/forms"/>
+    <ds:schemaRef ds:uri="http://purl.org/dc/terms/"/>
+    <ds:schemaRef ds:uri="http://www.w3.org/XML/1998/namespace"/>
+    <ds:schemaRef ds:uri="1bbf222e-7e66-42df-9e6f-5c316d30f899"/>
+    <ds:schemaRef ds:uri="http://schemas.microsoft.com/office/2006/documentManagement/types"/>
+    <ds:schemaRef ds:uri="http://schemas.microsoft.com/office/2006/metadata/properties"/>
+    <ds:schemaRef ds:uri="http://purl.org/dc/elements/1.1/"/>
+    <ds:schemaRef ds:uri="http://schemas.openxmlformats.org/package/2006/metadata/core-properties"/>
+    <ds:schemaRef ds:uri="http://schemas.microsoft.com/office/infopath/2007/PartnerControls"/>
+    <ds:schemaRef ds:uri="http://purl.org/dc/dcmitype/"/>
   </ds:schemaRefs>
 </ds:datastoreItem>
 </file>
@@ -13440,17 +14186,9 @@
 </file>
 
 <file path=customXml/itemProps3.xml><?xml version="1.0" encoding="utf-8"?>
-<ds:datastoreItem xmlns:ds="http://schemas.openxmlformats.org/officeDocument/2006/customXml" ds:itemID="{C1D94387-9BE2-4DD8-A5ED-1CF9C50B3FA6}">
+<ds:datastoreItem xmlns:ds="http://schemas.openxmlformats.org/officeDocument/2006/customXml" ds:itemID="{D1370E5A-76CE-437B-B6DB-0448A2AEACB2}">
   <ds:schemaRefs>
-    <ds:schemaRef ds:uri="http://purl.org/dc/terms/"/>
-    <ds:schemaRef ds:uri="http://schemas.openxmlformats.org/package/2006/metadata/core-properties"/>
-    <ds:schemaRef ds:uri="http://purl.org/dc/dcmitype/"/>
-    <ds:schemaRef ds:uri="http://schemas.microsoft.com/office/2006/documentManagement/types"/>
-    <ds:schemaRef ds:uri="http://purl.org/dc/elements/1.1/"/>
-    <ds:schemaRef ds:uri="http://schemas.microsoft.com/office/2006/metadata/properties"/>
-    <ds:schemaRef ds:uri="http://schemas.microsoft.com/office/infopath/2007/PartnerControls"/>
-    <ds:schemaRef ds:uri="1bbf222e-7e66-42df-9e6f-5c316d30f899"/>
-    <ds:schemaRef ds:uri="http://www.w3.org/XML/1998/namespace"/>
+    <ds:schemaRef ds:uri="http://schemas.microsoft.com/sharepoint/v3/contenttype/forms"/>
   </ds:schemaRefs>
 </ds:datastoreItem>
 </file>